--- a/doc/senizu.pptx
+++ b/doc/senizu.pptx
@@ -7,11 +7,10 @@
   <p:sldIdLst>
     <p:sldId id="256" r:id="rId2"/>
     <p:sldId id="257" r:id="rId3"/>
-    <p:sldId id="263" r:id="rId4"/>
-    <p:sldId id="258" r:id="rId5"/>
-    <p:sldId id="259" r:id="rId6"/>
-    <p:sldId id="260" r:id="rId7"/>
-    <p:sldId id="261" r:id="rId8"/>
+    <p:sldId id="258" r:id="rId4"/>
+    <p:sldId id="259" r:id="rId5"/>
+    <p:sldId id="260" r:id="rId6"/>
+    <p:sldId id="261" r:id="rId7"/>
   </p:sldIdLst>
   <p:sldSz cx="9144000" cy="6858000" type="screen4x3"/>
   <p:notesSz cx="6858000" cy="9144000"/>
@@ -294,7 +293,7 @@
           <a:p>
             <a:fld id="{50EDEDA0-5EF1-420F-83BE-5F6F5995674F}" type="datetimeFigureOut">
               <a:rPr kumimoji="1" lang="ja-JP" altLang="en-US" smtClean="0"/>
-              <a:t>2011/12/28</a:t>
+              <a:t>2012/1/12</a:t>
             </a:fld>
             <a:endParaRPr kumimoji="1" lang="ja-JP" altLang="en-US"/>
           </a:p>
@@ -496,7 +495,7 @@
           <a:p>
             <a:fld id="{50EDEDA0-5EF1-420F-83BE-5F6F5995674F}" type="datetimeFigureOut">
               <a:rPr kumimoji="1" lang="ja-JP" altLang="en-US" smtClean="0"/>
-              <a:t>2011/12/28</a:t>
+              <a:t>2012/1/12</a:t>
             </a:fld>
             <a:endParaRPr kumimoji="1" lang="ja-JP" altLang="en-US"/>
           </a:p>
@@ -708,7 +707,7 @@
           <a:p>
             <a:fld id="{50EDEDA0-5EF1-420F-83BE-5F6F5995674F}" type="datetimeFigureOut">
               <a:rPr kumimoji="1" lang="ja-JP" altLang="en-US" smtClean="0"/>
-              <a:t>2011/12/28</a:t>
+              <a:t>2012/1/12</a:t>
             </a:fld>
             <a:endParaRPr kumimoji="1" lang="ja-JP" altLang="en-US"/>
           </a:p>
@@ -910,7 +909,7 @@
           <a:p>
             <a:fld id="{50EDEDA0-5EF1-420F-83BE-5F6F5995674F}" type="datetimeFigureOut">
               <a:rPr kumimoji="1" lang="ja-JP" altLang="en-US" smtClean="0"/>
-              <a:t>2011/12/28</a:t>
+              <a:t>2012/1/12</a:t>
             </a:fld>
             <a:endParaRPr kumimoji="1" lang="ja-JP" altLang="en-US"/>
           </a:p>
@@ -1156,7 +1155,7 @@
           <a:p>
             <a:fld id="{50EDEDA0-5EF1-420F-83BE-5F6F5995674F}" type="datetimeFigureOut">
               <a:rPr kumimoji="1" lang="ja-JP" altLang="en-US" smtClean="0"/>
-              <a:t>2011/12/28</a:t>
+              <a:t>2012/1/12</a:t>
             </a:fld>
             <a:endParaRPr kumimoji="1" lang="ja-JP" altLang="en-US"/>
           </a:p>
@@ -1508,7 +1507,7 @@
           <a:p>
             <a:fld id="{50EDEDA0-5EF1-420F-83BE-5F6F5995674F}" type="datetimeFigureOut">
               <a:rPr kumimoji="1" lang="ja-JP" altLang="en-US" smtClean="0"/>
-              <a:t>2011/12/28</a:t>
+              <a:t>2012/1/12</a:t>
             </a:fld>
             <a:endParaRPr kumimoji="1" lang="ja-JP" altLang="en-US"/>
           </a:p>
@@ -1994,7 +1993,7 @@
           <a:p>
             <a:fld id="{50EDEDA0-5EF1-420F-83BE-5F6F5995674F}" type="datetimeFigureOut">
               <a:rPr kumimoji="1" lang="ja-JP" altLang="en-US" smtClean="0"/>
-              <a:t>2011/12/28</a:t>
+              <a:t>2012/1/12</a:t>
             </a:fld>
             <a:endParaRPr kumimoji="1" lang="ja-JP" altLang="en-US"/>
           </a:p>
@@ -2112,7 +2111,7 @@
           <a:p>
             <a:fld id="{50EDEDA0-5EF1-420F-83BE-5F6F5995674F}" type="datetimeFigureOut">
               <a:rPr kumimoji="1" lang="ja-JP" altLang="en-US" smtClean="0"/>
-              <a:t>2011/12/28</a:t>
+              <a:t>2012/1/12</a:t>
             </a:fld>
             <a:endParaRPr kumimoji="1" lang="ja-JP" altLang="en-US"/>
           </a:p>
@@ -2207,7 +2206,7 @@
           <a:p>
             <a:fld id="{50EDEDA0-5EF1-420F-83BE-5F6F5995674F}" type="datetimeFigureOut">
               <a:rPr kumimoji="1" lang="ja-JP" altLang="en-US" smtClean="0"/>
-              <a:t>2011/12/28</a:t>
+              <a:t>2012/1/12</a:t>
             </a:fld>
             <a:endParaRPr kumimoji="1" lang="ja-JP" altLang="en-US"/>
           </a:p>
@@ -2516,7 +2515,7 @@
           <a:p>
             <a:fld id="{50EDEDA0-5EF1-420F-83BE-5F6F5995674F}" type="datetimeFigureOut">
               <a:rPr kumimoji="1" lang="ja-JP" altLang="en-US" smtClean="0"/>
-              <a:t>2011/12/28</a:t>
+              <a:t>2012/1/12</a:t>
             </a:fld>
             <a:endParaRPr kumimoji="1" lang="ja-JP" altLang="en-US"/>
           </a:p>
@@ -2769,7 +2768,7 @@
           <a:p>
             <a:fld id="{50EDEDA0-5EF1-420F-83BE-5F6F5995674F}" type="datetimeFigureOut">
               <a:rPr kumimoji="1" lang="ja-JP" altLang="en-US" smtClean="0"/>
-              <a:t>2011/12/28</a:t>
+              <a:t>2012/1/12</a:t>
             </a:fld>
             <a:endParaRPr kumimoji="1" lang="ja-JP" altLang="en-US"/>
           </a:p>
@@ -3014,7 +3013,7 @@
           <a:p>
             <a:fld id="{50EDEDA0-5EF1-420F-83BE-5F6F5995674F}" type="datetimeFigureOut">
               <a:rPr kumimoji="1" lang="ja-JP" altLang="en-US" smtClean="0"/>
-              <a:t>2011/12/28</a:t>
+              <a:t>2012/1/12</a:t>
             </a:fld>
             <a:endParaRPr kumimoji="1" lang="ja-JP" altLang="en-US"/>
           </a:p>
@@ -3487,14 +3486,27 @@
         </p:nvSpPr>
         <p:spPr/>
         <p:txBody>
-          <a:bodyPr/>
+          <a:bodyPr>
+            <a:normAutofit/>
+          </a:bodyPr>
           <a:lstStyle/>
           <a:p>
             <a:r>
               <a:rPr kumimoji="1" lang="ja-JP" altLang="en-US" dirty="0" smtClean="0"/>
               <a:t>トップページ</a:t>
             </a:r>
-            <a:endParaRPr kumimoji="1" lang="ja-JP" altLang="en-US" dirty="0"/>
+            <a:r>
+              <a:rPr kumimoji="1" lang="en-US" altLang="ja-JP" dirty="0" smtClean="0"/>
+              <a:t/>
+            </a:r>
+            <a:br>
+              <a:rPr kumimoji="1" lang="en-US" altLang="ja-JP" dirty="0" smtClean="0"/>
+            </a:br>
+            <a:r>
+              <a:rPr lang="en-US" altLang="ja-JP" sz="1800" dirty="0"/>
+              <a:t>/</a:t>
+            </a:r>
+            <a:endParaRPr kumimoji="1" lang="ja-JP" altLang="en-US" sz="1800" dirty="0"/>
           </a:p>
         </p:txBody>
       </p:sp>
@@ -4060,7 +4072,6 @@
               <a:rPr kumimoji="1" lang="ja-JP" altLang="en-US" dirty="0" smtClean="0"/>
               <a:t>テキストボックス</a:t>
             </a:r>
-            <a:endParaRPr kumimoji="1" lang="ja-JP" altLang="en-US" dirty="0" smtClean="0"/>
           </a:p>
           <a:p>
             <a:r>
@@ -4082,13 +4093,14 @@
           <p:cNvPr id="21" name="直線矢印コネクタ 20"/>
           <p:cNvCxnSpPr>
             <a:stCxn id="15" idx="3"/>
+            <a:endCxn id="23" idx="1"/>
           </p:cNvCxnSpPr>
           <p:nvPr/>
         </p:nvCxnSpPr>
         <p:spPr>
           <a:xfrm>
             <a:off x="4103948" y="4678610"/>
-            <a:ext cx="1958516" cy="7436"/>
+            <a:ext cx="1501316" cy="180020"/>
           </a:xfrm>
           <a:prstGeom prst="straightConnector1">
             <a:avLst/>
@@ -4120,8 +4132,8 @@
         </p:nvSpPr>
         <p:spPr>
           <a:xfrm>
-            <a:off x="6159677" y="4489298"/>
-            <a:ext cx="2771913" cy="369332"/>
+            <a:off x="5605264" y="4535464"/>
+            <a:ext cx="2271776" cy="646331"/>
           </a:xfrm>
           <a:prstGeom prst="rect">
             <a:avLst/>
@@ -4136,7 +4148,21 @@
           <a:p>
             <a:r>
               <a:rPr kumimoji="1" lang="ja-JP" altLang="en-US" dirty="0" smtClean="0"/>
-              <a:t>新規登録ページへのリンク</a:t>
+              <a:t>新規</a:t>
+            </a:r>
+            <a:r>
+              <a:rPr kumimoji="1" lang="ja-JP" altLang="en-US" dirty="0" smtClean="0"/>
+              <a:t>登録</a:t>
+            </a:r>
+            <a:r>
+              <a:rPr lang="ja-JP" altLang="en-US" dirty="0" smtClean="0"/>
+              <a:t>用</a:t>
+            </a:r>
+          </a:p>
+          <a:p>
+            <a:r>
+              <a:rPr kumimoji="1" lang="ja-JP" altLang="en-US" dirty="0" smtClean="0"/>
+              <a:t>メールアドレス入力欄</a:t>
             </a:r>
             <a:endParaRPr kumimoji="1" lang="ja-JP" altLang="en-US" dirty="0"/>
           </a:p>
@@ -4185,8 +4211,8 @@
         </p:nvSpPr>
         <p:spPr>
           <a:xfrm>
-            <a:off x="6159677" y="3584240"/>
-            <a:ext cx="2310248" cy="646331"/>
+            <a:off x="6159677" y="3141838"/>
+            <a:ext cx="2839239" cy="1200329"/>
           </a:xfrm>
           <a:prstGeom prst="rect">
             <a:avLst/>
@@ -4201,13 +4227,91 @@
           <a:p>
             <a:r>
               <a:rPr kumimoji="1" lang="ja-JP" altLang="en-US" dirty="0" smtClean="0"/>
-              <a:t>写真のサムネイル</a:t>
-            </a:r>
-          </a:p>
-          <a:p>
+              <a:t>新着写真</a:t>
+            </a:r>
             <a:r>
               <a:rPr kumimoji="1" lang="ja-JP" altLang="en-US" dirty="0" smtClean="0"/>
-              <a:t>作品ページへのリンク</a:t>
+              <a:t>のサムネイル</a:t>
+            </a:r>
+          </a:p>
+          <a:p>
+            <a:r>
+              <a:rPr kumimoji="1" lang="ja-JP" altLang="en-US" dirty="0" smtClean="0"/>
+              <a:t>作品ページへの</a:t>
+            </a:r>
+            <a:r>
+              <a:rPr kumimoji="1" lang="ja-JP" altLang="en-US" dirty="0" smtClean="0"/>
+              <a:t>リンク</a:t>
+            </a:r>
+          </a:p>
+          <a:p>
+            <a:r>
+              <a:rPr lang="en-US" altLang="ja-JP" dirty="0" smtClean="0"/>
+              <a:t>(</a:t>
+            </a:r>
+            <a:r>
+              <a:rPr lang="ja-JP" altLang="en-US" dirty="0" smtClean="0"/>
+              <a:t>ランキングが実装されれば</a:t>
+            </a:r>
+          </a:p>
+          <a:p>
+            <a:r>
+              <a:rPr lang="ja-JP" altLang="en-US" dirty="0" smtClean="0"/>
+              <a:t>人気作品なども</a:t>
+            </a:r>
+            <a:r>
+              <a:rPr lang="en-US" altLang="ja-JP" dirty="0" smtClean="0"/>
+              <a:t>)</a:t>
+            </a:r>
+            <a:endParaRPr kumimoji="1" lang="ja-JP" altLang="en-US" dirty="0"/>
+          </a:p>
+        </p:txBody>
+      </p:sp>
+      <p:sp>
+        <p:nvSpPr>
+          <p:cNvPr id="22" name="テキスト ボックス 21"/>
+          <p:cNvSpPr txBox="1"/>
+          <p:nvPr/>
+        </p:nvSpPr>
+        <p:spPr>
+          <a:xfrm rot="10800000" flipV="1">
+            <a:off x="5694053" y="5203082"/>
+            <a:ext cx="3024337" cy="923330"/>
+          </a:xfrm>
+          <a:prstGeom prst="rect">
+            <a:avLst/>
+          </a:prstGeom>
+          <a:noFill/>
+        </p:spPr>
+        <p:txBody>
+          <a:bodyPr wrap="square" rtlCol="0">
+            <a:spAutoFit/>
+          </a:bodyPr>
+          <a:lstStyle/>
+          <a:p>
+            <a:r>
+              <a:rPr kumimoji="1" lang="ja-JP" altLang="en-US" dirty="0" smtClean="0"/>
+              <a:t>入力されたアドレスに、</a:t>
+            </a:r>
+          </a:p>
+          <a:p>
+            <a:r>
+              <a:rPr kumimoji="1" lang="ja-JP" altLang="en-US" dirty="0" smtClean="0"/>
+              <a:t>本登録アドレスを書いた</a:t>
+            </a:r>
+          </a:p>
+          <a:p>
+            <a:r>
+              <a:rPr kumimoji="1" lang="ja-JP" altLang="en-US" dirty="0" smtClean="0"/>
+              <a:t>メール</a:t>
+            </a:r>
+            <a:r>
+              <a:rPr lang="ja-JP" altLang="en-US" dirty="0" smtClean="0"/>
+              <a:t>を</a:t>
+            </a:r>
+            <a:r>
+              <a:rPr lang="ja-JP" altLang="en-US" dirty="0"/>
+              <a:t>送信する</a:t>
             </a:r>
             <a:endParaRPr kumimoji="1" lang="ja-JP" altLang="en-US" dirty="0"/>
           </a:p>
@@ -4255,14 +4359,74 @@
         </p:nvSpPr>
         <p:spPr/>
         <p:txBody>
-          <a:bodyPr/>
+          <a:bodyPr>
+            <a:normAutofit fontScale="90000"/>
+          </a:bodyPr>
           <a:lstStyle/>
           <a:p>
             <a:r>
               <a:rPr kumimoji="1" lang="ja-JP" altLang="en-US" dirty="0" smtClean="0"/>
-              <a:t>新規登録ページ</a:t>
-            </a:r>
-            <a:endParaRPr kumimoji="1" lang="ja-JP" altLang="en-US" dirty="0"/>
+              <a:t>本登録ページ</a:t>
+            </a:r>
+            <a:br>
+              <a:rPr kumimoji="1" lang="ja-JP" altLang="en-US" dirty="0" smtClean="0"/>
+            </a:br>
+            <a:r>
+              <a:rPr kumimoji="1" lang="en-US" altLang="ja-JP" sz="2000" dirty="0" smtClean="0"/>
+              <a:t>(</a:t>
+            </a:r>
+            <a:r>
+              <a:rPr kumimoji="1" lang="ja-JP" altLang="en-US" sz="2000" dirty="0" smtClean="0"/>
+              <a:t>送られてくるメールに記載されている</a:t>
+            </a:r>
+            <a:r>
+              <a:rPr kumimoji="1" lang="en-US" altLang="ja-JP" sz="2000" dirty="0" err="1" smtClean="0"/>
+              <a:t>url</a:t>
+            </a:r>
+            <a:r>
+              <a:rPr kumimoji="1" lang="ja-JP" altLang="en-US" sz="2000" dirty="0" smtClean="0"/>
+              <a:t>から</a:t>
+            </a:r>
+            <a:r>
+              <a:rPr kumimoji="1" lang="ja-JP" altLang="en-US" sz="2000" dirty="0" smtClean="0"/>
+              <a:t>遷移</a:t>
+            </a:r>
+            <a:r>
+              <a:rPr kumimoji="1" lang="en-US" altLang="ja-JP" sz="2000" dirty="0" smtClean="0"/>
+              <a:t>)</a:t>
+            </a:r>
+            <a:br>
+              <a:rPr kumimoji="1" lang="en-US" altLang="ja-JP" sz="2000" dirty="0" smtClean="0"/>
+            </a:br>
+            <a:r>
+              <a:rPr lang="en-US" altLang="ja-JP" sz="2000" dirty="0" smtClean="0"/>
+              <a:t>/</a:t>
+            </a:r>
+            <a:r>
+              <a:rPr lang="en-US" altLang="ja-JP" sz="2000" dirty="0" err="1" smtClean="0"/>
+              <a:t>entry.php?tc</a:t>
+            </a:r>
+            <a:r>
+              <a:rPr lang="en-US" altLang="ja-JP" sz="2000" dirty="0" smtClean="0"/>
+              <a:t>=(</a:t>
+            </a:r>
+            <a:r>
+              <a:rPr lang="ja-JP" altLang="en-US" sz="2000" dirty="0" smtClean="0"/>
+              <a:t>ランダム文字列</a:t>
+            </a:r>
+            <a:r>
+              <a:rPr lang="en-US" altLang="ja-JP" sz="2000" dirty="0" smtClean="0"/>
+              <a:t>32</a:t>
+            </a:r>
+            <a:r>
+              <a:rPr lang="ja-JP" altLang="en-US" sz="2000" dirty="0" smtClean="0"/>
+              <a:t>文字</a:t>
+            </a:r>
+            <a:r>
+              <a:rPr lang="en-US" altLang="ja-JP" sz="2000" dirty="0" smtClean="0"/>
+              <a:t>)</a:t>
+            </a:r>
+            <a:endParaRPr kumimoji="1" lang="ja-JP" altLang="en-US" sz="2000" dirty="0"/>
           </a:p>
         </p:txBody>
       </p:sp>
@@ -4274,8 +4438,8 @@
         </p:nvSpPr>
         <p:spPr>
           <a:xfrm>
-            <a:off x="683568" y="2276872"/>
-            <a:ext cx="4176464" cy="3312368"/>
+            <a:off x="369161" y="1612826"/>
+            <a:ext cx="4536504" cy="3024336"/>
           </a:xfrm>
           <a:prstGeom prst="rect">
             <a:avLst/>
@@ -4322,8 +4486,8 @@
         </p:nvSpPr>
         <p:spPr>
           <a:xfrm>
-            <a:off x="1835696" y="2926854"/>
-            <a:ext cx="1872208" cy="216024"/>
+            <a:off x="1737313" y="2116882"/>
+            <a:ext cx="1800200" cy="216024"/>
           </a:xfrm>
           <a:prstGeom prst="rect">
             <a:avLst/>
@@ -4362,8 +4526,8 @@
         </p:nvSpPr>
         <p:spPr>
           <a:xfrm>
-            <a:off x="2447764" y="3356992"/>
-            <a:ext cx="648072" cy="216024"/>
+            <a:off x="1737313" y="2487030"/>
+            <a:ext cx="1800200" cy="216024"/>
           </a:xfrm>
           <a:prstGeom prst="rect">
             <a:avLst/>
@@ -4394,18 +4558,235 @@
           </a:p>
         </p:txBody>
       </p:sp>
+      <p:sp>
+        <p:nvSpPr>
+          <p:cNvPr id="7" name="正方形/長方形 6"/>
+          <p:cNvSpPr/>
+          <p:nvPr/>
+        </p:nvSpPr>
+        <p:spPr>
+          <a:xfrm>
+            <a:off x="1737313" y="2908970"/>
+            <a:ext cx="1800200" cy="216024"/>
+          </a:xfrm>
+          <a:prstGeom prst="rect">
+            <a:avLst/>
+          </a:prstGeom>
+        </p:spPr>
+        <p:style>
+          <a:lnRef idx="2">
+            <a:schemeClr val="accent1">
+              <a:shade val="50000"/>
+            </a:schemeClr>
+          </a:lnRef>
+          <a:fillRef idx="1">
+            <a:schemeClr val="accent1"/>
+          </a:fillRef>
+          <a:effectRef idx="0">
+            <a:schemeClr val="accent1"/>
+          </a:effectRef>
+          <a:fontRef idx="minor">
+            <a:schemeClr val="lt1"/>
+          </a:fontRef>
+        </p:style>
+        <p:txBody>
+          <a:bodyPr rtlCol="0" anchor="ctr"/>
+          <a:lstStyle/>
+          <a:p>
+            <a:pPr algn="ctr"/>
+            <a:endParaRPr kumimoji="1" lang="ja-JP" altLang="en-US"/>
+          </a:p>
+        </p:txBody>
+      </p:sp>
+      <p:sp>
+        <p:nvSpPr>
+          <p:cNvPr id="8" name="正方形/長方形 7"/>
+          <p:cNvSpPr/>
+          <p:nvPr/>
+        </p:nvSpPr>
+        <p:spPr>
+          <a:xfrm>
+            <a:off x="1753709" y="3319500"/>
+            <a:ext cx="1800200" cy="216024"/>
+          </a:xfrm>
+          <a:prstGeom prst="rect">
+            <a:avLst/>
+          </a:prstGeom>
+        </p:spPr>
+        <p:style>
+          <a:lnRef idx="2">
+            <a:schemeClr val="accent1">
+              <a:shade val="50000"/>
+            </a:schemeClr>
+          </a:lnRef>
+          <a:fillRef idx="1">
+            <a:schemeClr val="accent1"/>
+          </a:fillRef>
+          <a:effectRef idx="0">
+            <a:schemeClr val="accent1"/>
+          </a:effectRef>
+          <a:fontRef idx="minor">
+            <a:schemeClr val="lt1"/>
+          </a:fontRef>
+        </p:style>
+        <p:txBody>
+          <a:bodyPr rtlCol="0" anchor="ctr"/>
+          <a:lstStyle/>
+          <a:p>
+            <a:pPr algn="ctr"/>
+            <a:endParaRPr kumimoji="1" lang="ja-JP" altLang="en-US"/>
+          </a:p>
+        </p:txBody>
+      </p:sp>
+      <p:sp>
+        <p:nvSpPr>
+          <p:cNvPr id="9" name="正方形/長方形 8"/>
+          <p:cNvSpPr/>
+          <p:nvPr/>
+        </p:nvSpPr>
+        <p:spPr>
+          <a:xfrm>
+            <a:off x="2331379" y="3773624"/>
+            <a:ext cx="612068" cy="216024"/>
+          </a:xfrm>
+          <a:prstGeom prst="rect">
+            <a:avLst/>
+          </a:prstGeom>
+        </p:spPr>
+        <p:style>
+          <a:lnRef idx="2">
+            <a:schemeClr val="accent1">
+              <a:shade val="50000"/>
+            </a:schemeClr>
+          </a:lnRef>
+          <a:fillRef idx="1">
+            <a:schemeClr val="accent1"/>
+          </a:fillRef>
+          <a:effectRef idx="0">
+            <a:schemeClr val="accent1"/>
+          </a:effectRef>
+          <a:fontRef idx="minor">
+            <a:schemeClr val="lt1"/>
+          </a:fontRef>
+        </p:style>
+        <p:txBody>
+          <a:bodyPr rtlCol="0" anchor="ctr"/>
+          <a:lstStyle/>
+          <a:p>
+            <a:pPr algn="ctr"/>
+            <a:endParaRPr kumimoji="1" lang="ja-JP" altLang="en-US"/>
+          </a:p>
+        </p:txBody>
+      </p:sp>
+      <p:sp>
+        <p:nvSpPr>
+          <p:cNvPr id="10" name="正方形/長方形 9"/>
+          <p:cNvSpPr/>
+          <p:nvPr/>
+        </p:nvSpPr>
+        <p:spPr>
+          <a:xfrm>
+            <a:off x="5841032" y="4561656"/>
+            <a:ext cx="3024336" cy="2037742"/>
+          </a:xfrm>
+          <a:prstGeom prst="rect">
+            <a:avLst/>
+          </a:prstGeom>
+          <a:solidFill>
+            <a:schemeClr val="bg1"/>
+          </a:solidFill>
+          <a:ln>
+            <a:solidFill>
+              <a:schemeClr val="tx1"/>
+            </a:solidFill>
+          </a:ln>
+        </p:spPr>
+        <p:style>
+          <a:lnRef idx="2">
+            <a:schemeClr val="accent1">
+              <a:shade val="50000"/>
+            </a:schemeClr>
+          </a:lnRef>
+          <a:fillRef idx="1">
+            <a:schemeClr val="accent1"/>
+          </a:fillRef>
+          <a:effectRef idx="0">
+            <a:schemeClr val="accent1"/>
+          </a:effectRef>
+          <a:fontRef idx="minor">
+            <a:schemeClr val="lt1"/>
+          </a:fontRef>
+        </p:style>
+        <p:txBody>
+          <a:bodyPr rtlCol="0" anchor="ctr"/>
+          <a:lstStyle/>
+          <a:p>
+            <a:pPr algn="ctr"/>
+            <a:r>
+              <a:rPr kumimoji="1" lang="ja-JP" altLang="en-US" dirty="0" smtClean="0">
+                <a:solidFill>
+                  <a:sysClr val="windowText" lastClr="000000"/>
+                </a:solidFill>
+              </a:rPr>
+              <a:t>登録完了</a:t>
+            </a:r>
+          </a:p>
+          <a:p>
+            <a:pPr algn="ctr"/>
+            <a:endParaRPr lang="ja-JP" altLang="en-US" dirty="0" smtClean="0">
+              <a:solidFill>
+                <a:sysClr val="windowText" lastClr="000000"/>
+              </a:solidFill>
+            </a:endParaRPr>
+          </a:p>
+          <a:p>
+            <a:pPr algn="ctr"/>
+            <a:endParaRPr lang="ja-JP" altLang="en-US" dirty="0">
+              <a:solidFill>
+                <a:sysClr val="windowText" lastClr="000000"/>
+              </a:solidFill>
+            </a:endParaRPr>
+          </a:p>
+          <a:p>
+            <a:pPr algn="ctr"/>
+            <a:r>
+              <a:rPr kumimoji="1" lang="en-US" altLang="ja-JP" dirty="0" smtClean="0">
+                <a:solidFill>
+                  <a:sysClr val="windowText" lastClr="000000"/>
+                </a:solidFill>
+              </a:rPr>
+              <a:t>Top</a:t>
+            </a:r>
+            <a:r>
+              <a:rPr kumimoji="1" lang="ja-JP" altLang="en-US" dirty="0" smtClean="0">
+                <a:solidFill>
+                  <a:sysClr val="windowText" lastClr="000000"/>
+                </a:solidFill>
+              </a:rPr>
+              <a:t>へ</a:t>
+            </a:r>
+            <a:endParaRPr kumimoji="1" lang="ja-JP" altLang="en-US" dirty="0">
+              <a:solidFill>
+                <a:sysClr val="windowText" lastClr="000000"/>
+              </a:solidFill>
+            </a:endParaRPr>
+          </a:p>
+        </p:txBody>
+      </p:sp>
       <p:cxnSp>
         <p:nvCxnSpPr>
-          <p:cNvPr id="8" name="直線矢印コネクタ 7"/>
-          <p:cNvCxnSpPr/>
+          <p:cNvPr id="12" name="カギ線コネクタ 11"/>
+          <p:cNvCxnSpPr>
+            <a:stCxn id="9" idx="2"/>
+          </p:cNvCxnSpPr>
           <p:nvPr/>
         </p:nvCxnSpPr>
         <p:spPr>
-          <a:xfrm>
-            <a:off x="3707904" y="3034866"/>
-            <a:ext cx="2016224" cy="0"/>
-          </a:xfrm>
-          <a:prstGeom prst="straightConnector1">
+          <a:xfrm rot="16200000" flipH="1">
+            <a:off x="3352140" y="3274920"/>
+            <a:ext cx="1815616" cy="3245071"/>
+          </a:xfrm>
+          <a:prstGeom prst="bentConnector2">
             <a:avLst/>
           </a:prstGeom>
           <a:ln>
@@ -4427,48 +4808,16 @@
           </a:fontRef>
         </p:style>
       </p:cxnSp>
-      <p:sp>
-        <p:nvSpPr>
-          <p:cNvPr id="11" name="テキスト ボックス 10"/>
-          <p:cNvSpPr txBox="1"/>
-          <p:nvPr/>
-        </p:nvSpPr>
-        <p:spPr>
-          <a:xfrm>
-            <a:off x="5868144" y="2821578"/>
-            <a:ext cx="2040943" cy="369332"/>
-          </a:xfrm>
-          <a:prstGeom prst="rect">
-            <a:avLst/>
-          </a:prstGeom>
-          <a:noFill/>
-        </p:spPr>
-        <p:txBody>
-          <a:bodyPr wrap="none" rtlCol="0">
-            <a:spAutoFit/>
-          </a:bodyPr>
-          <a:lstStyle/>
-          <a:p>
-            <a:r>
-              <a:rPr kumimoji="1" lang="ja-JP" altLang="en-US" dirty="0" smtClean="0"/>
-              <a:t>メールアドレス入力</a:t>
-            </a:r>
-            <a:endParaRPr kumimoji="1" lang="ja-JP" altLang="en-US" dirty="0"/>
-          </a:p>
-        </p:txBody>
-      </p:sp>
       <p:cxnSp>
         <p:nvCxnSpPr>
-          <p:cNvPr id="13" name="直線矢印コネクタ 12"/>
-          <p:cNvCxnSpPr>
-            <a:stCxn id="6" idx="2"/>
-          </p:cNvCxnSpPr>
+          <p:cNvPr id="17" name="直線矢印コネクタ 16"/>
+          <p:cNvCxnSpPr/>
           <p:nvPr/>
         </p:nvCxnSpPr>
         <p:spPr>
-          <a:xfrm>
-            <a:off x="2771800" y="3573016"/>
-            <a:ext cx="2952328" cy="1080120"/>
+          <a:xfrm flipV="1">
+            <a:off x="3537513" y="1793716"/>
+            <a:ext cx="2130665" cy="426056"/>
           </a:xfrm>
           <a:prstGeom prst="straightConnector1">
             <a:avLst/>
@@ -4492,16 +4841,258 @@
           </a:fontRef>
         </p:style>
       </p:cxnSp>
-      <p:sp>
-        <p:nvSpPr>
-          <p:cNvPr id="15" name="テキスト ボックス 14"/>
+      <p:cxnSp>
+        <p:nvCxnSpPr>
+          <p:cNvPr id="21" name="直線矢印コネクタ 20"/>
+          <p:cNvCxnSpPr>
+            <a:endCxn id="25" idx="1"/>
+          </p:cNvCxnSpPr>
+          <p:nvPr/>
+        </p:nvCxnSpPr>
+        <p:spPr>
+          <a:xfrm flipV="1">
+            <a:off x="3514339" y="2589104"/>
+            <a:ext cx="2153839" cy="427878"/>
+          </a:xfrm>
+          <a:prstGeom prst="straightConnector1">
+            <a:avLst/>
+          </a:prstGeom>
+          <a:ln>
+            <a:tailEnd type="arrow"/>
+          </a:ln>
+        </p:spPr>
+        <p:style>
+          <a:lnRef idx="1">
+            <a:schemeClr val="accent1"/>
+          </a:lnRef>
+          <a:fillRef idx="0">
+            <a:schemeClr val="accent1"/>
+          </a:fillRef>
+          <a:effectRef idx="0">
+            <a:schemeClr val="accent1"/>
+          </a:effectRef>
+          <a:fontRef idx="minor">
+            <a:schemeClr val="tx1"/>
+          </a:fontRef>
+        </p:style>
+      </p:cxnSp>
+      <p:cxnSp>
+        <p:nvCxnSpPr>
+          <p:cNvPr id="22" name="直線矢印コネクタ 21"/>
+          <p:cNvCxnSpPr>
+            <a:stCxn id="6" idx="3"/>
+          </p:cNvCxnSpPr>
+          <p:nvPr/>
+        </p:nvCxnSpPr>
+        <p:spPr>
+          <a:xfrm>
+            <a:off x="3537513" y="2595042"/>
+            <a:ext cx="2160240" cy="9922"/>
+          </a:xfrm>
+          <a:prstGeom prst="straightConnector1">
+            <a:avLst/>
+          </a:prstGeom>
+          <a:ln>
+            <a:tailEnd type="arrow"/>
+          </a:ln>
+        </p:spPr>
+        <p:style>
+          <a:lnRef idx="1">
+            <a:schemeClr val="accent1"/>
+          </a:lnRef>
+          <a:fillRef idx="0">
+            <a:schemeClr val="accent1"/>
+          </a:fillRef>
+          <a:effectRef idx="0">
+            <a:schemeClr val="accent1"/>
+          </a:effectRef>
+          <a:fontRef idx="minor">
+            <a:schemeClr val="tx1"/>
+          </a:fontRef>
+        </p:style>
+      </p:cxnSp>
+      <p:cxnSp>
+        <p:nvCxnSpPr>
+          <p:cNvPr id="23" name="直線矢印コネクタ 22"/>
+          <p:cNvCxnSpPr/>
+          <p:nvPr/>
+        </p:nvCxnSpPr>
+        <p:spPr>
+          <a:xfrm>
+            <a:off x="3553909" y="3427512"/>
+            <a:ext cx="2114269" cy="0"/>
+          </a:xfrm>
+          <a:prstGeom prst="straightConnector1">
+            <a:avLst/>
+          </a:prstGeom>
+          <a:ln>
+            <a:tailEnd type="arrow"/>
+          </a:ln>
+        </p:spPr>
+        <p:style>
+          <a:lnRef idx="1">
+            <a:schemeClr val="accent1"/>
+          </a:lnRef>
+          <a:fillRef idx="0">
+            <a:schemeClr val="accent1"/>
+          </a:fillRef>
+          <a:effectRef idx="0">
+            <a:schemeClr val="accent1"/>
+          </a:effectRef>
+          <a:fontRef idx="minor">
+            <a:schemeClr val="tx1"/>
+          </a:fontRef>
+        </p:style>
+      </p:cxnSp>
+      <p:sp>
+        <p:nvSpPr>
+          <p:cNvPr id="24" name="テキスト ボックス 23"/>
           <p:cNvSpPr txBox="1"/>
           <p:nvPr/>
         </p:nvSpPr>
         <p:spPr>
-          <a:xfrm rot="10800000" flipV="1">
-            <a:off x="5868144" y="4369179"/>
-            <a:ext cx="3024337" cy="923330"/>
+          <a:xfrm>
+            <a:off x="5729148" y="1470551"/>
+            <a:ext cx="3304110" cy="646331"/>
+          </a:xfrm>
+          <a:prstGeom prst="rect">
+            <a:avLst/>
+          </a:prstGeom>
+          <a:noFill/>
+        </p:spPr>
+        <p:txBody>
+          <a:bodyPr wrap="none" rtlCol="0">
+            <a:spAutoFit/>
+          </a:bodyPr>
+          <a:lstStyle/>
+          <a:p>
+            <a:r>
+              <a:rPr kumimoji="1" lang="ja-JP" altLang="en-US" dirty="0" smtClean="0"/>
+              <a:t>メールアドレスが表示されている</a:t>
+            </a:r>
+            <a:endParaRPr kumimoji="1" lang="ja-JP" altLang="en-US" dirty="0" smtClean="0"/>
+          </a:p>
+          <a:p>
+            <a:r>
+              <a:rPr kumimoji="1" lang="en-US" altLang="ja-JP" dirty="0" smtClean="0"/>
+              <a:t>(</a:t>
+            </a:r>
+            <a:r>
+              <a:rPr kumimoji="1" lang="ja-JP" altLang="en-US" dirty="0" smtClean="0"/>
+              <a:t>テキストボックスではない</a:t>
+            </a:r>
+            <a:r>
+              <a:rPr kumimoji="1" lang="en-US" altLang="ja-JP" dirty="0" smtClean="0"/>
+              <a:t>)</a:t>
+            </a:r>
+            <a:endParaRPr kumimoji="1" lang="ja-JP" altLang="en-US" dirty="0"/>
+          </a:p>
+        </p:txBody>
+      </p:sp>
+      <p:sp>
+        <p:nvSpPr>
+          <p:cNvPr id="25" name="テキスト ボックス 24"/>
+          <p:cNvSpPr txBox="1"/>
+          <p:nvPr/>
+        </p:nvSpPr>
+        <p:spPr>
+          <a:xfrm>
+            <a:off x="5668178" y="2404438"/>
+            <a:ext cx="2291012" cy="369332"/>
+          </a:xfrm>
+          <a:prstGeom prst="rect">
+            <a:avLst/>
+          </a:prstGeom>
+          <a:noFill/>
+        </p:spPr>
+        <p:txBody>
+          <a:bodyPr wrap="none" rtlCol="0">
+            <a:spAutoFit/>
+          </a:bodyPr>
+          <a:lstStyle/>
+          <a:p>
+            <a:r>
+              <a:rPr kumimoji="1" lang="ja-JP" altLang="en-US" dirty="0" smtClean="0"/>
+              <a:t>パスワード</a:t>
+            </a:r>
+            <a:r>
+              <a:rPr kumimoji="1" lang="en-US" altLang="ja-JP" dirty="0" smtClean="0"/>
+              <a:t>(</a:t>
+            </a:r>
+            <a:r>
+              <a:rPr lang="ja-JP" altLang="en-US" dirty="0"/>
+              <a:t>二回入力</a:t>
+            </a:r>
+            <a:r>
+              <a:rPr kumimoji="1" lang="en-US" altLang="ja-JP" dirty="0" smtClean="0"/>
+              <a:t>)</a:t>
+            </a:r>
+            <a:endParaRPr kumimoji="1" lang="ja-JP" altLang="en-US" dirty="0"/>
+          </a:p>
+        </p:txBody>
+      </p:sp>
+      <p:sp>
+        <p:nvSpPr>
+          <p:cNvPr id="26" name="テキスト ボックス 25"/>
+          <p:cNvSpPr txBox="1"/>
+          <p:nvPr/>
+        </p:nvSpPr>
+        <p:spPr>
+          <a:xfrm>
+            <a:off x="5697753" y="2224894"/>
+            <a:ext cx="184731" cy="369332"/>
+          </a:xfrm>
+          <a:prstGeom prst="rect">
+            <a:avLst/>
+          </a:prstGeom>
+          <a:noFill/>
+        </p:spPr>
+        <p:txBody>
+          <a:bodyPr wrap="none" rtlCol="0">
+            <a:spAutoFit/>
+          </a:bodyPr>
+          <a:lstStyle/>
+          <a:p>
+            <a:endParaRPr kumimoji="1" lang="ja-JP" altLang="en-US" dirty="0"/>
+          </a:p>
+        </p:txBody>
+      </p:sp>
+      <p:sp>
+        <p:nvSpPr>
+          <p:cNvPr id="27" name="テキスト ボックス 26"/>
+          <p:cNvSpPr txBox="1"/>
+          <p:nvPr/>
+        </p:nvSpPr>
+        <p:spPr>
+          <a:xfrm>
+            <a:off x="5850153" y="2377294"/>
+            <a:ext cx="184731" cy="369332"/>
+          </a:xfrm>
+          <a:prstGeom prst="rect">
+            <a:avLst/>
+          </a:prstGeom>
+          <a:noFill/>
+        </p:spPr>
+        <p:txBody>
+          <a:bodyPr wrap="none" rtlCol="0">
+            <a:spAutoFit/>
+          </a:bodyPr>
+          <a:lstStyle/>
+          <a:p>
+            <a:endParaRPr kumimoji="1" lang="ja-JP" altLang="en-US" dirty="0"/>
+          </a:p>
+        </p:txBody>
+      </p:sp>
+      <p:sp>
+        <p:nvSpPr>
+          <p:cNvPr id="28" name="テキスト ボックス 27"/>
+          <p:cNvSpPr txBox="1"/>
+          <p:nvPr/>
+        </p:nvSpPr>
+        <p:spPr>
+          <a:xfrm>
+            <a:off x="5761783" y="3242846"/>
+            <a:ext cx="2169071" cy="369332"/>
           </a:xfrm>
           <a:prstGeom prst="rect">
             <a:avLst/>
@@ -4516,36 +5107,100 @@
           <a:p>
             <a:r>
               <a:rPr kumimoji="1" lang="ja-JP" altLang="en-US" dirty="0" smtClean="0"/>
-              <a:t>入力されたアドレスに、</a:t>
-            </a:r>
-          </a:p>
-          <a:p>
-            <a:r>
-              <a:rPr kumimoji="1" lang="ja-JP" altLang="en-US" dirty="0" smtClean="0"/>
-              <a:t>本登録アドレスを書いた</a:t>
-            </a:r>
-          </a:p>
-          <a:p>
-            <a:r>
-              <a:rPr kumimoji="1" lang="ja-JP" altLang="en-US" dirty="0" smtClean="0"/>
-              <a:t>メール</a:t>
-            </a:r>
-            <a:r>
-              <a:rPr lang="ja-JP" altLang="en-US" dirty="0" smtClean="0"/>
-              <a:t>を</a:t>
-            </a:r>
-            <a:r>
-              <a:rPr lang="ja-JP" altLang="en-US" dirty="0"/>
-              <a:t>送信する</a:t>
+              <a:t>ニックネーム</a:t>
             </a:r>
             <a:endParaRPr kumimoji="1" lang="ja-JP" altLang="en-US" dirty="0"/>
+          </a:p>
+        </p:txBody>
+      </p:sp>
+      <p:sp>
+        <p:nvSpPr>
+          <p:cNvPr id="3" name="正方形/長方形 2"/>
+          <p:cNvSpPr/>
+          <p:nvPr/>
+        </p:nvSpPr>
+        <p:spPr>
+          <a:xfrm>
+            <a:off x="1573688" y="4897455"/>
+            <a:ext cx="2686259" cy="1701943"/>
+          </a:xfrm>
+          <a:prstGeom prst="rect">
+            <a:avLst/>
+          </a:prstGeom>
+          <a:solidFill>
+            <a:schemeClr val="bg1"/>
+          </a:solidFill>
+          <a:ln>
+            <a:solidFill>
+              <a:schemeClr val="tx1"/>
+            </a:solidFill>
+          </a:ln>
+        </p:spPr>
+        <p:style>
+          <a:lnRef idx="2">
+            <a:schemeClr val="accent1">
+              <a:shade val="50000"/>
+            </a:schemeClr>
+          </a:lnRef>
+          <a:fillRef idx="1">
+            <a:schemeClr val="accent1"/>
+          </a:fillRef>
+          <a:effectRef idx="0">
+            <a:schemeClr val="accent1"/>
+          </a:effectRef>
+          <a:fontRef idx="minor">
+            <a:schemeClr val="lt1"/>
+          </a:fontRef>
+        </p:style>
+        <p:txBody>
+          <a:bodyPr rtlCol="0" anchor="ctr"/>
+          <a:lstStyle/>
+          <a:p>
+            <a:pPr algn="ctr"/>
+            <a:r>
+              <a:rPr kumimoji="1" lang="ja-JP" altLang="en-US" dirty="0" smtClean="0">
+                <a:solidFill>
+                  <a:sysClr val="windowText" lastClr="000000"/>
+                </a:solidFill>
+              </a:rPr>
+              <a:t>以下の内容で登録しますか？</a:t>
+            </a:r>
+            <a:endParaRPr kumimoji="1" lang="en-US" altLang="ja-JP" dirty="0" smtClean="0">
+              <a:solidFill>
+                <a:sysClr val="windowText" lastClr="000000"/>
+              </a:solidFill>
+            </a:endParaRPr>
+          </a:p>
+          <a:p>
+            <a:pPr algn="ctr"/>
+            <a:endParaRPr lang="en-US" altLang="ja-JP" dirty="0">
+              <a:solidFill>
+                <a:sysClr val="windowText" lastClr="000000"/>
+              </a:solidFill>
+            </a:endParaRPr>
+          </a:p>
+          <a:p>
+            <a:pPr algn="ctr"/>
+            <a:r>
+              <a:rPr kumimoji="1" lang="ja-JP" altLang="en-US" dirty="0" smtClean="0">
+                <a:solidFill>
+                  <a:sysClr val="windowText" lastClr="000000"/>
+                </a:solidFill>
+              </a:rPr>
+              <a:t>はい　いいえ</a:t>
+            </a:r>
+            <a:endParaRPr kumimoji="1" lang="ja-JP" altLang="en-US" dirty="0">
+              <a:solidFill>
+                <a:sysClr val="windowText" lastClr="000000"/>
+              </a:solidFill>
+            </a:endParaRPr>
           </a:p>
         </p:txBody>
       </p:sp>
     </p:spTree>
     <p:extLst>
       <p:ext uri="{BB962C8B-B14F-4D97-AF65-F5344CB8AC3E}">
-        <p14:creationId xmlns:p14="http://schemas.microsoft.com/office/powerpoint/2010/main" val="881645391"/>
+        <p14:creationId xmlns:p14="http://schemas.microsoft.com/office/powerpoint/2010/main" val="3731703274"/>
       </p:ext>
     </p:extLst>
   </p:cSld>
@@ -4591,34 +5246,34 @@
           <a:p>
             <a:r>
               <a:rPr kumimoji="1" lang="ja-JP" altLang="en-US" dirty="0" smtClean="0"/>
-              <a:t>本登録</a:t>
+              <a:t>作品</a:t>
             </a:r>
             <a:r>
               <a:rPr kumimoji="1" lang="ja-JP" altLang="en-US" dirty="0" smtClean="0"/>
               <a:t>ページ</a:t>
             </a:r>
+            <a:r>
+              <a:rPr lang="en-US" altLang="ja-JP" dirty="0"/>
+              <a:t/>
+            </a:r>
             <a:br>
-              <a:rPr kumimoji="1" lang="ja-JP" altLang="en-US" dirty="0" smtClean="0"/>
+              <a:rPr lang="en-US" altLang="ja-JP" dirty="0"/>
             </a:br>
             <a:r>
-              <a:rPr kumimoji="1" lang="en-US" altLang="ja-JP" sz="2000" dirty="0" smtClean="0"/>
-              <a:t>(</a:t>
-            </a:r>
-            <a:r>
-              <a:rPr kumimoji="1" lang="ja-JP" altLang="en-US" sz="2000" dirty="0" smtClean="0"/>
-              <a:t>送られてくるメールに記載されている</a:t>
-            </a:r>
-            <a:r>
-              <a:rPr kumimoji="1" lang="en-US" altLang="ja-JP" sz="2000" dirty="0" err="1" smtClean="0"/>
-              <a:t>url</a:t>
-            </a:r>
-            <a:r>
-              <a:rPr kumimoji="1" lang="ja-JP" altLang="en-US" sz="2000" dirty="0" smtClean="0"/>
-              <a:t>から遷移</a:t>
-            </a:r>
-            <a:r>
-              <a:rPr kumimoji="1" lang="en-US" altLang="ja-JP" sz="2000" dirty="0" smtClean="0"/>
-              <a:t>)</a:t>
+              <a:rPr lang="en-US" altLang="ja-JP" sz="2000" dirty="0"/>
+              <a:t>/</a:t>
+            </a:r>
+            <a:r>
+              <a:rPr lang="en-US" altLang="ja-JP" sz="2000" dirty="0" err="1"/>
+              <a:t>userid</a:t>
+            </a:r>
+            <a:r>
+              <a:rPr lang="en-US" altLang="ja-JP" sz="2000" dirty="0"/>
+              <a:t>/</a:t>
+            </a:r>
+            <a:r>
+              <a:rPr lang="en-US" altLang="ja-JP" sz="2000" dirty="0" err="1"/>
+              <a:t>imgid</a:t>
             </a:r>
             <a:endParaRPr kumimoji="1" lang="ja-JP" altLang="en-US" sz="2000" dirty="0"/>
           </a:p>
@@ -4632,8 +5287,8 @@
         </p:nvSpPr>
         <p:spPr>
           <a:xfrm>
-            <a:off x="369161" y="1612826"/>
-            <a:ext cx="4536504" cy="3024336"/>
+            <a:off x="827584" y="1700808"/>
+            <a:ext cx="4032448" cy="4320480"/>
           </a:xfrm>
           <a:prstGeom prst="rect">
             <a:avLst/>
@@ -4680,8 +5335,8 @@
         </p:nvSpPr>
         <p:spPr>
           <a:xfrm>
-            <a:off x="1737313" y="2116882"/>
-            <a:ext cx="1800200" cy="216024"/>
+            <a:off x="1979712" y="1988840"/>
+            <a:ext cx="1728192" cy="2088232"/>
           </a:xfrm>
           <a:prstGeom prst="rect">
             <a:avLst/>
@@ -4720,8 +5375,8 @@
         </p:nvSpPr>
         <p:spPr>
           <a:xfrm>
-            <a:off x="1737313" y="2487030"/>
-            <a:ext cx="1800200" cy="216024"/>
+            <a:off x="2052886" y="5301208"/>
+            <a:ext cx="1152128" cy="144016"/>
           </a:xfrm>
           <a:prstGeom prst="rect">
             <a:avLst/>
@@ -4760,8 +5415,8 @@
         </p:nvSpPr>
         <p:spPr>
           <a:xfrm>
-            <a:off x="1737313" y="2908970"/>
-            <a:ext cx="1800200" cy="216024"/>
+            <a:off x="3349030" y="5301208"/>
+            <a:ext cx="288032" cy="144016"/>
           </a:xfrm>
           <a:prstGeom prst="rect">
             <a:avLst/>
@@ -4792,195 +5447,21 @@
           </a:p>
         </p:txBody>
       </p:sp>
-      <p:sp>
-        <p:nvSpPr>
-          <p:cNvPr id="8" name="正方形/長方形 7"/>
-          <p:cNvSpPr/>
-          <p:nvPr/>
-        </p:nvSpPr>
-        <p:spPr>
-          <a:xfrm>
-            <a:off x="1753709" y="3319500"/>
-            <a:ext cx="1800200" cy="216024"/>
-          </a:xfrm>
-          <a:prstGeom prst="rect">
-            <a:avLst/>
-          </a:prstGeom>
-        </p:spPr>
-        <p:style>
-          <a:lnRef idx="2">
-            <a:schemeClr val="accent1">
-              <a:shade val="50000"/>
-            </a:schemeClr>
-          </a:lnRef>
-          <a:fillRef idx="1">
-            <a:schemeClr val="accent1"/>
-          </a:fillRef>
-          <a:effectRef idx="0">
-            <a:schemeClr val="accent1"/>
-          </a:effectRef>
-          <a:fontRef idx="minor">
-            <a:schemeClr val="lt1"/>
-          </a:fontRef>
-        </p:style>
-        <p:txBody>
-          <a:bodyPr rtlCol="0" anchor="ctr"/>
-          <a:lstStyle/>
-          <a:p>
-            <a:pPr algn="ctr"/>
-            <a:endParaRPr kumimoji="1" lang="ja-JP" altLang="en-US"/>
-          </a:p>
-        </p:txBody>
-      </p:sp>
-      <p:sp>
-        <p:nvSpPr>
-          <p:cNvPr id="9" name="正方形/長方形 8"/>
-          <p:cNvSpPr/>
-          <p:nvPr/>
-        </p:nvSpPr>
-        <p:spPr>
-          <a:xfrm>
-            <a:off x="2331379" y="3773624"/>
-            <a:ext cx="612068" cy="216024"/>
-          </a:xfrm>
-          <a:prstGeom prst="rect">
-            <a:avLst/>
-          </a:prstGeom>
-        </p:spPr>
-        <p:style>
-          <a:lnRef idx="2">
-            <a:schemeClr val="accent1">
-              <a:shade val="50000"/>
-            </a:schemeClr>
-          </a:lnRef>
-          <a:fillRef idx="1">
-            <a:schemeClr val="accent1"/>
-          </a:fillRef>
-          <a:effectRef idx="0">
-            <a:schemeClr val="accent1"/>
-          </a:effectRef>
-          <a:fontRef idx="minor">
-            <a:schemeClr val="lt1"/>
-          </a:fontRef>
-        </p:style>
-        <p:txBody>
-          <a:bodyPr rtlCol="0" anchor="ctr"/>
-          <a:lstStyle/>
-          <a:p>
-            <a:pPr algn="ctr"/>
-            <a:endParaRPr kumimoji="1" lang="ja-JP" altLang="en-US"/>
-          </a:p>
-        </p:txBody>
-      </p:sp>
-      <p:sp>
-        <p:nvSpPr>
-          <p:cNvPr id="10" name="正方形/長方形 9"/>
-          <p:cNvSpPr/>
-          <p:nvPr/>
-        </p:nvSpPr>
-        <p:spPr>
-          <a:xfrm>
-            <a:off x="5841032" y="4561656"/>
-            <a:ext cx="3024336" cy="2037742"/>
-          </a:xfrm>
-          <a:prstGeom prst="rect">
-            <a:avLst/>
-          </a:prstGeom>
-          <a:solidFill>
-            <a:schemeClr val="bg1"/>
-          </a:solidFill>
-          <a:ln>
-            <a:solidFill>
-              <a:schemeClr val="tx1"/>
-            </a:solidFill>
-          </a:ln>
-        </p:spPr>
-        <p:style>
-          <a:lnRef idx="2">
-            <a:schemeClr val="accent1">
-              <a:shade val="50000"/>
-            </a:schemeClr>
-          </a:lnRef>
-          <a:fillRef idx="1">
-            <a:schemeClr val="accent1"/>
-          </a:fillRef>
-          <a:effectRef idx="0">
-            <a:schemeClr val="accent1"/>
-          </a:effectRef>
-          <a:fontRef idx="minor">
-            <a:schemeClr val="lt1"/>
-          </a:fontRef>
-        </p:style>
-        <p:txBody>
-          <a:bodyPr rtlCol="0" anchor="ctr"/>
-          <a:lstStyle/>
-          <a:p>
-            <a:pPr algn="ctr"/>
-            <a:r>
-              <a:rPr kumimoji="1" lang="ja-JP" altLang="en-US" dirty="0" smtClean="0">
-                <a:solidFill>
-                  <a:sysClr val="windowText" lastClr="000000"/>
-                </a:solidFill>
-              </a:rPr>
-              <a:t>登録完了</a:t>
-            </a:r>
-          </a:p>
-          <a:p>
-            <a:pPr algn="ctr"/>
-            <a:endParaRPr lang="ja-JP" altLang="en-US" dirty="0" smtClean="0">
-              <a:solidFill>
-                <a:sysClr val="windowText" lastClr="000000"/>
-              </a:solidFill>
-            </a:endParaRPr>
-          </a:p>
-          <a:p>
-            <a:pPr algn="ctr"/>
-            <a:endParaRPr lang="ja-JP" altLang="en-US" dirty="0">
-              <a:solidFill>
-                <a:sysClr val="windowText" lastClr="000000"/>
-              </a:solidFill>
-            </a:endParaRPr>
-          </a:p>
-          <a:p>
-            <a:pPr algn="ctr"/>
-            <a:r>
-              <a:rPr kumimoji="1" lang="en-US" altLang="ja-JP" dirty="0" smtClean="0">
-                <a:solidFill>
-                  <a:sysClr val="windowText" lastClr="000000"/>
-                </a:solidFill>
-              </a:rPr>
-              <a:t>Top</a:t>
-            </a:r>
-            <a:r>
-              <a:rPr kumimoji="1" lang="ja-JP" altLang="en-US" dirty="0" smtClean="0">
-                <a:solidFill>
-                  <a:sysClr val="windowText" lastClr="000000"/>
-                </a:solidFill>
-              </a:rPr>
-              <a:t>へ</a:t>
-            </a:r>
-            <a:endParaRPr kumimoji="1" lang="ja-JP" altLang="en-US" dirty="0">
-              <a:solidFill>
-                <a:sysClr val="windowText" lastClr="000000"/>
-              </a:solidFill>
-            </a:endParaRPr>
-          </a:p>
-        </p:txBody>
-      </p:sp>
       <p:cxnSp>
         <p:nvCxnSpPr>
-          <p:cNvPr id="12" name="カギ線コネクタ 11"/>
+          <p:cNvPr id="9" name="直線矢印コネクタ 8"/>
           <p:cNvCxnSpPr>
-            <a:stCxn id="9" idx="2"/>
+            <a:stCxn id="7" idx="3"/>
+            <a:endCxn id="17" idx="1"/>
           </p:cNvCxnSpPr>
           <p:nvPr/>
         </p:nvCxnSpPr>
         <p:spPr>
-          <a:xfrm rot="16200000" flipH="1">
-            <a:off x="3352140" y="3274920"/>
-            <a:ext cx="1815616" cy="3245071"/>
-          </a:xfrm>
-          <a:prstGeom prst="bentConnector2">
+          <a:xfrm>
+            <a:off x="3637062" y="5373216"/>
+            <a:ext cx="1727026" cy="441340"/>
+          </a:xfrm>
+          <a:prstGeom prst="straightConnector1">
             <a:avLst/>
           </a:prstGeom>
           <a:ln>
@@ -5004,14 +5485,14 @@
       </p:cxnSp>
       <p:cxnSp>
         <p:nvCxnSpPr>
-          <p:cNvPr id="17" name="直線矢印コネクタ 16"/>
+          <p:cNvPr id="12" name="直線矢印コネクタ 11"/>
           <p:cNvCxnSpPr/>
           <p:nvPr/>
         </p:nvCxnSpPr>
         <p:spPr>
-          <a:xfrm flipV="1">
-            <a:off x="3537513" y="1793716"/>
-            <a:ext cx="2130665" cy="426056"/>
+          <a:xfrm>
+            <a:off x="3707904" y="2636912"/>
+            <a:ext cx="1463452" cy="0"/>
           </a:xfrm>
           <a:prstGeom prst="straightConnector1">
             <a:avLst/>
@@ -5035,119 +5516,16 @@
           </a:fontRef>
         </p:style>
       </p:cxnSp>
-      <p:cxnSp>
-        <p:nvCxnSpPr>
-          <p:cNvPr id="21" name="直線矢印コネクタ 20"/>
-          <p:cNvCxnSpPr>
-            <a:endCxn id="25" idx="1"/>
-          </p:cNvCxnSpPr>
-          <p:nvPr/>
-        </p:nvCxnSpPr>
-        <p:spPr>
-          <a:xfrm flipV="1">
-            <a:off x="3514339" y="2589104"/>
-            <a:ext cx="2153839" cy="427878"/>
-          </a:xfrm>
-          <a:prstGeom prst="straightConnector1">
-            <a:avLst/>
-          </a:prstGeom>
-          <a:ln>
-            <a:tailEnd type="arrow"/>
-          </a:ln>
-        </p:spPr>
-        <p:style>
-          <a:lnRef idx="1">
-            <a:schemeClr val="accent1"/>
-          </a:lnRef>
-          <a:fillRef idx="0">
-            <a:schemeClr val="accent1"/>
-          </a:fillRef>
-          <a:effectRef idx="0">
-            <a:schemeClr val="accent1"/>
-          </a:effectRef>
-          <a:fontRef idx="minor">
-            <a:schemeClr val="tx1"/>
-          </a:fontRef>
-        </p:style>
-      </p:cxnSp>
-      <p:cxnSp>
-        <p:nvCxnSpPr>
-          <p:cNvPr id="22" name="直線矢印コネクタ 21"/>
-          <p:cNvCxnSpPr>
-            <a:stCxn id="6" idx="3"/>
-          </p:cNvCxnSpPr>
-          <p:nvPr/>
-        </p:nvCxnSpPr>
-        <p:spPr>
-          <a:xfrm>
-            <a:off x="3537513" y="2595042"/>
-            <a:ext cx="2160240" cy="9922"/>
-          </a:xfrm>
-          <a:prstGeom prst="straightConnector1">
-            <a:avLst/>
-          </a:prstGeom>
-          <a:ln>
-            <a:tailEnd type="arrow"/>
-          </a:ln>
-        </p:spPr>
-        <p:style>
-          <a:lnRef idx="1">
-            <a:schemeClr val="accent1"/>
-          </a:lnRef>
-          <a:fillRef idx="0">
-            <a:schemeClr val="accent1"/>
-          </a:fillRef>
-          <a:effectRef idx="0">
-            <a:schemeClr val="accent1"/>
-          </a:effectRef>
-          <a:fontRef idx="minor">
-            <a:schemeClr val="tx1"/>
-          </a:fontRef>
-        </p:style>
-      </p:cxnSp>
-      <p:cxnSp>
-        <p:nvCxnSpPr>
-          <p:cNvPr id="23" name="直線矢印コネクタ 22"/>
-          <p:cNvCxnSpPr/>
-          <p:nvPr/>
-        </p:nvCxnSpPr>
-        <p:spPr>
-          <a:xfrm>
-            <a:off x="3553909" y="3427512"/>
-            <a:ext cx="2114269" cy="0"/>
-          </a:xfrm>
-          <a:prstGeom prst="straightConnector1">
-            <a:avLst/>
-          </a:prstGeom>
-          <a:ln>
-            <a:tailEnd type="arrow"/>
-          </a:ln>
-        </p:spPr>
-        <p:style>
-          <a:lnRef idx="1">
-            <a:schemeClr val="accent1"/>
-          </a:lnRef>
-          <a:fillRef idx="0">
-            <a:schemeClr val="accent1"/>
-          </a:fillRef>
-          <a:effectRef idx="0">
-            <a:schemeClr val="accent1"/>
-          </a:effectRef>
-          <a:fontRef idx="minor">
-            <a:schemeClr val="tx1"/>
-          </a:fontRef>
-        </p:style>
-      </p:cxnSp>
-      <p:sp>
-        <p:nvSpPr>
-          <p:cNvPr id="24" name="テキスト ボックス 23"/>
+      <p:sp>
+        <p:nvSpPr>
+          <p:cNvPr id="15" name="テキスト ボックス 14"/>
           <p:cNvSpPr txBox="1"/>
           <p:nvPr/>
         </p:nvSpPr>
         <p:spPr>
           <a:xfrm>
-            <a:off x="5729148" y="1470551"/>
-            <a:ext cx="2759089" cy="646331"/>
+            <a:off x="5580112" y="5116542"/>
+            <a:ext cx="184731" cy="369332"/>
           </a:xfrm>
           <a:prstGeom prst="rect">
             <a:avLst/>
@@ -5160,38 +5538,20 @@
           </a:bodyPr>
           <a:lstStyle/>
           <a:p>
-            <a:r>
-              <a:rPr kumimoji="1" lang="ja-JP" altLang="en-US" dirty="0" smtClean="0"/>
-              <a:t>メールアドレス</a:t>
-            </a:r>
-          </a:p>
-          <a:p>
-            <a:r>
-              <a:rPr kumimoji="1" lang="en-US" altLang="ja-JP" dirty="0" smtClean="0"/>
-              <a:t>(</a:t>
-            </a:r>
-            <a:r>
-              <a:rPr kumimoji="1" lang="ja-JP" altLang="en-US" dirty="0" smtClean="0"/>
-              <a:t>テキストボックスではない</a:t>
-            </a:r>
-            <a:r>
-              <a:rPr kumimoji="1" lang="en-US" altLang="ja-JP" dirty="0" smtClean="0"/>
-              <a:t>)</a:t>
-            </a:r>
             <a:endParaRPr kumimoji="1" lang="ja-JP" altLang="en-US" dirty="0"/>
           </a:p>
         </p:txBody>
       </p:sp>
       <p:sp>
         <p:nvSpPr>
-          <p:cNvPr id="25" name="テキスト ボックス 24"/>
+          <p:cNvPr id="16" name="テキスト ボックス 15"/>
           <p:cNvSpPr txBox="1"/>
           <p:nvPr/>
         </p:nvSpPr>
         <p:spPr>
           <a:xfrm>
-            <a:off x="5668178" y="2404438"/>
-            <a:ext cx="2291012" cy="369332"/>
+            <a:off x="5364088" y="2313746"/>
+            <a:ext cx="2036135" cy="646331"/>
           </a:xfrm>
           <a:prstGeom prst="rect">
             <a:avLst/>
@@ -5206,19 +5566,13 @@
           <a:p>
             <a:r>
               <a:rPr kumimoji="1" lang="ja-JP" altLang="en-US" dirty="0" smtClean="0"/>
-              <a:t>パスワード</a:t>
-            </a:r>
-            <a:r>
-              <a:rPr kumimoji="1" lang="en-US" altLang="ja-JP" dirty="0" smtClean="0"/>
-              <a:t>(</a:t>
-            </a:r>
-            <a:r>
-              <a:rPr lang="ja-JP" altLang="en-US" dirty="0"/>
-              <a:t>二回入力</a:t>
-            </a:r>
-            <a:r>
-              <a:rPr kumimoji="1" lang="en-US" altLang="ja-JP" dirty="0" smtClean="0"/>
-              <a:t>)</a:t>
+              <a:t>写真</a:t>
+            </a:r>
+          </a:p>
+          <a:p>
+            <a:r>
+              <a:rPr lang="ja-JP" altLang="en-US" dirty="0" smtClean="0"/>
+              <a:t>タイトルや日時など</a:t>
             </a:r>
             <a:endParaRPr kumimoji="1" lang="ja-JP" altLang="en-US" dirty="0"/>
           </a:p>
@@ -5226,66 +5580,14 @@
       </p:sp>
       <p:sp>
         <p:nvSpPr>
-          <p:cNvPr id="26" name="テキスト ボックス 25"/>
+          <p:cNvPr id="17" name="テキスト ボックス 16"/>
           <p:cNvSpPr txBox="1"/>
           <p:nvPr/>
         </p:nvSpPr>
         <p:spPr>
           <a:xfrm>
-            <a:off x="5697753" y="2224894"/>
-            <a:ext cx="184731" cy="369332"/>
-          </a:xfrm>
-          <a:prstGeom prst="rect">
-            <a:avLst/>
-          </a:prstGeom>
-          <a:noFill/>
-        </p:spPr>
-        <p:txBody>
-          <a:bodyPr wrap="none" rtlCol="0">
-            <a:spAutoFit/>
-          </a:bodyPr>
-          <a:lstStyle/>
-          <a:p>
-            <a:endParaRPr kumimoji="1" lang="ja-JP" altLang="en-US" dirty="0"/>
-          </a:p>
-        </p:txBody>
-      </p:sp>
-      <p:sp>
-        <p:nvSpPr>
-          <p:cNvPr id="27" name="テキスト ボックス 26"/>
-          <p:cNvSpPr txBox="1"/>
-          <p:nvPr/>
-        </p:nvSpPr>
-        <p:spPr>
-          <a:xfrm>
-            <a:off x="5850153" y="2377294"/>
-            <a:ext cx="184731" cy="369332"/>
-          </a:xfrm>
-          <a:prstGeom prst="rect">
-            <a:avLst/>
-          </a:prstGeom>
-          <a:noFill/>
-        </p:spPr>
-        <p:txBody>
-          <a:bodyPr wrap="none" rtlCol="0">
-            <a:spAutoFit/>
-          </a:bodyPr>
-          <a:lstStyle/>
-          <a:p>
-            <a:endParaRPr kumimoji="1" lang="ja-JP" altLang="en-US" dirty="0"/>
-          </a:p>
-        </p:txBody>
-      </p:sp>
-      <p:sp>
-        <p:nvSpPr>
-          <p:cNvPr id="28" name="テキスト ボックス 27"/>
-          <p:cNvSpPr txBox="1"/>
-          <p:nvPr/>
-        </p:nvSpPr>
-        <p:spPr>
-          <a:xfrm>
-            <a:off x="5761783" y="3242846"/>
-            <a:ext cx="2169071" cy="369332"/>
+            <a:off x="5364088" y="5629890"/>
+            <a:ext cx="2664296" cy="369332"/>
           </a:xfrm>
           <a:prstGeom prst="rect">
             <a:avLst/>
@@ -5300,7 +5602,7 @@
           <a:p>
             <a:r>
               <a:rPr kumimoji="1" lang="ja-JP" altLang="en-US" dirty="0" smtClean="0"/>
-              <a:t>ニックネーム</a:t>
+              <a:t>コメント書き込み欄</a:t>
             </a:r>
             <a:endParaRPr kumimoji="1" lang="ja-JP" altLang="en-US" dirty="0"/>
           </a:p>
@@ -5308,26 +5610,18 @@
       </p:sp>
       <p:sp>
         <p:nvSpPr>
-          <p:cNvPr id="3" name="正方形/長方形 2"/>
+          <p:cNvPr id="18" name="正方形/長方形 17"/>
           <p:cNvSpPr/>
           <p:nvPr/>
         </p:nvSpPr>
         <p:spPr>
           <a:xfrm>
-            <a:off x="1573688" y="4897455"/>
-            <a:ext cx="2686259" cy="1701943"/>
+            <a:off x="1979712" y="4293096"/>
+            <a:ext cx="1728192" cy="823446"/>
           </a:xfrm>
           <a:prstGeom prst="rect">
             <a:avLst/>
           </a:prstGeom>
-          <a:solidFill>
-            <a:schemeClr val="bg1"/>
-          </a:solidFill>
-          <a:ln>
-            <a:solidFill>
-              <a:schemeClr val="tx1"/>
-            </a:solidFill>
-          </a:ln>
         </p:spPr>
         <p:style>
           <a:lnRef idx="2">
@@ -5350,50 +5644,98 @@
           <a:lstStyle/>
           <a:p>
             <a:pPr algn="ctr"/>
-            <a:r>
-              <a:rPr kumimoji="1" lang="ja-JP" altLang="en-US" dirty="0" smtClean="0">
-                <a:solidFill>
-                  <a:sysClr val="windowText" lastClr="000000"/>
-                </a:solidFill>
-              </a:rPr>
-              <a:t>以下の内容で登録しますか？</a:t>
-            </a:r>
-            <a:endParaRPr kumimoji="1" lang="en-US" altLang="ja-JP" dirty="0" smtClean="0">
-              <a:solidFill>
-                <a:sysClr val="windowText" lastClr="000000"/>
-              </a:solidFill>
-            </a:endParaRPr>
-          </a:p>
-          <a:p>
-            <a:pPr algn="ctr"/>
-            <a:endParaRPr lang="en-US" altLang="ja-JP" dirty="0">
-              <a:solidFill>
-                <a:sysClr val="windowText" lastClr="000000"/>
-              </a:solidFill>
-            </a:endParaRPr>
-          </a:p>
-          <a:p>
-            <a:pPr algn="ctr"/>
-            <a:r>
-              <a:rPr kumimoji="1" lang="ja-JP" altLang="en-US" dirty="0" smtClean="0">
-                <a:solidFill>
-                  <a:sysClr val="windowText" lastClr="000000"/>
-                </a:solidFill>
-              </a:rPr>
-              <a:t>はい　いいえ</a:t>
-            </a:r>
-            <a:endParaRPr kumimoji="1" lang="ja-JP" altLang="en-US" dirty="0">
-              <a:solidFill>
-                <a:sysClr val="windowText" lastClr="000000"/>
-              </a:solidFill>
-            </a:endParaRPr>
+            <a:endParaRPr kumimoji="1" lang="ja-JP" altLang="en-US"/>
+          </a:p>
+        </p:txBody>
+      </p:sp>
+      <p:cxnSp>
+        <p:nvCxnSpPr>
+          <p:cNvPr id="20" name="直線矢印コネクタ 19"/>
+          <p:cNvCxnSpPr/>
+          <p:nvPr/>
+        </p:nvCxnSpPr>
+        <p:spPr>
+          <a:xfrm>
+            <a:off x="3707904" y="4704819"/>
+            <a:ext cx="1463452" cy="0"/>
+          </a:xfrm>
+          <a:prstGeom prst="straightConnector1">
+            <a:avLst/>
+          </a:prstGeom>
+          <a:ln>
+            <a:tailEnd type="arrow"/>
+          </a:ln>
+        </p:spPr>
+        <p:style>
+          <a:lnRef idx="1">
+            <a:schemeClr val="accent1"/>
+          </a:lnRef>
+          <a:fillRef idx="0">
+            <a:schemeClr val="accent1"/>
+          </a:fillRef>
+          <a:effectRef idx="0">
+            <a:schemeClr val="accent1"/>
+          </a:effectRef>
+          <a:fontRef idx="minor">
+            <a:schemeClr val="tx1"/>
+          </a:fontRef>
+        </p:style>
+      </p:cxnSp>
+      <p:sp>
+        <p:nvSpPr>
+          <p:cNvPr id="22" name="テキスト ボックス 21"/>
+          <p:cNvSpPr txBox="1"/>
+          <p:nvPr/>
+        </p:nvSpPr>
+        <p:spPr>
+          <a:xfrm>
+            <a:off x="5399856" y="4077072"/>
+            <a:ext cx="3185914" cy="1200329"/>
+          </a:xfrm>
+          <a:prstGeom prst="rect">
+            <a:avLst/>
+          </a:prstGeom>
+          <a:noFill/>
+        </p:spPr>
+        <p:txBody>
+          <a:bodyPr wrap="square" rtlCol="0">
+            <a:spAutoFit/>
+          </a:bodyPr>
+          <a:lstStyle/>
+          <a:p>
+            <a:r>
+              <a:rPr kumimoji="1" lang="ja-JP" altLang="en-US" dirty="0" smtClean="0"/>
+              <a:t>書き込まれたコメント群</a:t>
+            </a:r>
+            <a:endParaRPr lang="ja-JP" altLang="en-US" dirty="0"/>
+          </a:p>
+          <a:p>
+            <a:r>
+              <a:rPr kumimoji="1" lang="en-US" altLang="ja-JP" dirty="0" smtClean="0"/>
+              <a:t>(</a:t>
+            </a:r>
+            <a:r>
+              <a:rPr kumimoji="1" lang="ja-JP" altLang="en-US" dirty="0" smtClean="0"/>
+              <a:t>ユーザ名とコメント。</a:t>
+            </a:r>
+          </a:p>
+          <a:p>
+            <a:r>
+              <a:rPr kumimoji="1" lang="ja-JP" altLang="en-US" dirty="0" smtClean="0"/>
+              <a:t>ユーザ名にはユーザページへのリンク</a:t>
+            </a:r>
+            <a:r>
+              <a:rPr kumimoji="1" lang="en-US" altLang="ja-JP" dirty="0" smtClean="0"/>
+              <a:t>)</a:t>
+            </a:r>
+            <a:endParaRPr kumimoji="1" lang="ja-JP" altLang="en-US" dirty="0" smtClean="0"/>
           </a:p>
         </p:txBody>
       </p:sp>
     </p:spTree>
     <p:extLst>
       <p:ext uri="{BB962C8B-B14F-4D97-AF65-F5344CB8AC3E}">
-        <p14:creationId xmlns:p14="http://schemas.microsoft.com/office/powerpoint/2010/main" val="3731703274"/>
+        <p14:creationId xmlns:p14="http://schemas.microsoft.com/office/powerpoint/2010/main" val="603687496"/>
       </p:ext>
     </p:extLst>
   </p:cSld>
@@ -5422,37 +5764,14 @@
       </p:grpSpPr>
       <p:sp>
         <p:nvSpPr>
-          <p:cNvPr id="2" name="タイトル 1"/>
-          <p:cNvSpPr>
-            <a:spLocks noGrp="1"/>
-          </p:cNvSpPr>
-          <p:nvPr>
-            <p:ph type="title"/>
-          </p:nvPr>
-        </p:nvSpPr>
-        <p:spPr/>
-        <p:txBody>
-          <a:bodyPr/>
-          <a:lstStyle/>
-          <a:p>
-            <a:r>
-              <a:rPr kumimoji="1" lang="ja-JP" altLang="en-US" dirty="0" smtClean="0"/>
-              <a:t>作品ページ</a:t>
-            </a:r>
-            <a:endParaRPr kumimoji="1" lang="ja-JP" altLang="en-US" dirty="0"/>
-          </a:p>
-        </p:txBody>
-      </p:sp>
-      <p:sp>
-        <p:nvSpPr>
-          <p:cNvPr id="4" name="正方形/長方形 3"/>
+          <p:cNvPr id="10" name="正方形/長方形 9"/>
           <p:cNvSpPr/>
           <p:nvPr/>
         </p:nvSpPr>
         <p:spPr>
           <a:xfrm>
-            <a:off x="827584" y="1700808"/>
-            <a:ext cx="4032448" cy="4320480"/>
+            <a:off x="678757" y="1823864"/>
+            <a:ext cx="3816424" cy="3456384"/>
           </a:xfrm>
           <a:prstGeom prst="rect">
             <a:avLst/>
@@ -5487,20 +5806,69 @@
           <a:lstStyle/>
           <a:p>
             <a:pPr algn="ctr"/>
-            <a:endParaRPr kumimoji="1" lang="ja-JP" altLang="en-US"/>
-          </a:p>
-        </p:txBody>
-      </p:sp>
-      <p:sp>
-        <p:nvSpPr>
-          <p:cNvPr id="5" name="正方形/長方形 4"/>
+            <a:endParaRPr kumimoji="1" lang="ja-JP" altLang="en-US" dirty="0"/>
+          </a:p>
+        </p:txBody>
+      </p:sp>
+      <p:sp>
+        <p:nvSpPr>
+          <p:cNvPr id="2" name="タイトル 1"/>
+          <p:cNvSpPr>
+            <a:spLocks noGrp="1"/>
+          </p:cNvSpPr>
+          <p:nvPr>
+            <p:ph type="title"/>
+          </p:nvPr>
+        </p:nvSpPr>
+        <p:spPr>
+          <a:xfrm>
+            <a:off x="457200" y="260648"/>
+            <a:ext cx="8229600" cy="1143000"/>
+          </a:xfrm>
+        </p:spPr>
+        <p:txBody>
+          <a:bodyPr>
+            <a:normAutofit/>
+          </a:bodyPr>
+          <a:lstStyle/>
+          <a:p>
+            <a:r>
+              <a:rPr kumimoji="1" lang="ja-JP" altLang="en-US" dirty="0" smtClean="0"/>
+              <a:t>マイページ</a:t>
+            </a:r>
+            <a:r>
+              <a:rPr kumimoji="1" lang="en-US" altLang="ja-JP" dirty="0" smtClean="0"/>
+              <a:t/>
+            </a:r>
+            <a:br>
+              <a:rPr kumimoji="1" lang="en-US" altLang="ja-JP" dirty="0" smtClean="0"/>
+            </a:br>
+            <a:r>
+              <a:rPr lang="en-US" altLang="ja-JP" sz="2000" dirty="0" smtClean="0"/>
+              <a:t>/</a:t>
+            </a:r>
+            <a:r>
+              <a:rPr lang="en-US" altLang="ja-JP" sz="2000" dirty="0" err="1" smtClean="0"/>
+              <a:t>mypage</a:t>
+            </a:r>
+            <a:r>
+              <a:rPr lang="en-US" altLang="ja-JP" sz="2000" dirty="0" smtClean="0"/>
+              <a:t>/</a:t>
+            </a:r>
+            <a:endParaRPr kumimoji="1" lang="ja-JP" altLang="en-US" sz="2000" dirty="0"/>
+          </a:p>
+        </p:txBody>
+      </p:sp>
+      <p:sp>
+        <p:nvSpPr>
+          <p:cNvPr id="4" name="正方形/長方形 3"/>
           <p:cNvSpPr/>
           <p:nvPr/>
         </p:nvSpPr>
         <p:spPr>
           <a:xfrm>
-            <a:off x="1979712" y="1988840"/>
-            <a:ext cx="1728192" cy="2088232"/>
+            <a:off x="1266850" y="2355770"/>
+            <a:ext cx="573782" cy="504056"/>
           </a:xfrm>
           <a:prstGeom prst="rect">
             <a:avLst/>
@@ -5533,14 +5901,14 @@
       </p:sp>
       <p:sp>
         <p:nvSpPr>
-          <p:cNvPr id="6" name="正方形/長方形 5"/>
+          <p:cNvPr id="5" name="正方形/長方形 4"/>
           <p:cNvSpPr/>
           <p:nvPr/>
         </p:nvSpPr>
         <p:spPr>
           <a:xfrm>
-            <a:off x="2052886" y="5301208"/>
-            <a:ext cx="1152128" cy="144016"/>
+            <a:off x="3283074" y="2355770"/>
+            <a:ext cx="573782" cy="504056"/>
           </a:xfrm>
           <a:prstGeom prst="rect">
             <a:avLst/>
@@ -5573,14 +5941,14 @@
       </p:sp>
       <p:sp>
         <p:nvSpPr>
-          <p:cNvPr id="7" name="正方形/長方形 6"/>
+          <p:cNvPr id="6" name="正方形/長方形 5"/>
           <p:cNvSpPr/>
           <p:nvPr/>
         </p:nvSpPr>
         <p:spPr>
           <a:xfrm>
-            <a:off x="3349030" y="5301208"/>
-            <a:ext cx="288032" cy="144016"/>
+            <a:off x="2291730" y="2355770"/>
+            <a:ext cx="573782" cy="504056"/>
           </a:xfrm>
           <a:prstGeom prst="rect">
             <a:avLst/>
@@ -5611,19 +5979,246 @@
           </a:p>
         </p:txBody>
       </p:sp>
+      <p:sp>
+        <p:nvSpPr>
+          <p:cNvPr id="7" name="正方形/長方形 6"/>
+          <p:cNvSpPr/>
+          <p:nvPr/>
+        </p:nvSpPr>
+        <p:spPr>
+          <a:xfrm>
+            <a:off x="1266850" y="3126898"/>
+            <a:ext cx="573782" cy="504056"/>
+          </a:xfrm>
+          <a:prstGeom prst="rect">
+            <a:avLst/>
+          </a:prstGeom>
+        </p:spPr>
+        <p:style>
+          <a:lnRef idx="2">
+            <a:schemeClr val="accent1">
+              <a:shade val="50000"/>
+            </a:schemeClr>
+          </a:lnRef>
+          <a:fillRef idx="1">
+            <a:schemeClr val="accent1"/>
+          </a:fillRef>
+          <a:effectRef idx="0">
+            <a:schemeClr val="accent1"/>
+          </a:effectRef>
+          <a:fontRef idx="minor">
+            <a:schemeClr val="lt1"/>
+          </a:fontRef>
+        </p:style>
+        <p:txBody>
+          <a:bodyPr rtlCol="0" anchor="ctr"/>
+          <a:lstStyle/>
+          <a:p>
+            <a:pPr algn="ctr"/>
+            <a:endParaRPr kumimoji="1" lang="ja-JP" altLang="en-US"/>
+          </a:p>
+        </p:txBody>
+      </p:sp>
+      <p:sp>
+        <p:nvSpPr>
+          <p:cNvPr id="8" name="正方形/長方形 7"/>
+          <p:cNvSpPr/>
+          <p:nvPr/>
+        </p:nvSpPr>
+        <p:spPr>
+          <a:xfrm>
+            <a:off x="3283074" y="3126898"/>
+            <a:ext cx="573782" cy="504056"/>
+          </a:xfrm>
+          <a:prstGeom prst="rect">
+            <a:avLst/>
+          </a:prstGeom>
+        </p:spPr>
+        <p:style>
+          <a:lnRef idx="2">
+            <a:schemeClr val="accent1">
+              <a:shade val="50000"/>
+            </a:schemeClr>
+          </a:lnRef>
+          <a:fillRef idx="1">
+            <a:schemeClr val="accent1"/>
+          </a:fillRef>
+          <a:effectRef idx="0">
+            <a:schemeClr val="accent1"/>
+          </a:effectRef>
+          <a:fontRef idx="minor">
+            <a:schemeClr val="lt1"/>
+          </a:fontRef>
+        </p:style>
+        <p:txBody>
+          <a:bodyPr rtlCol="0" anchor="ctr"/>
+          <a:lstStyle/>
+          <a:p>
+            <a:pPr algn="ctr"/>
+            <a:endParaRPr kumimoji="1" lang="ja-JP" altLang="en-US"/>
+          </a:p>
+        </p:txBody>
+      </p:sp>
+      <p:sp>
+        <p:nvSpPr>
+          <p:cNvPr id="9" name="正方形/長方形 8"/>
+          <p:cNvSpPr/>
+          <p:nvPr/>
+        </p:nvSpPr>
+        <p:spPr>
+          <a:xfrm>
+            <a:off x="2291730" y="3126898"/>
+            <a:ext cx="573782" cy="504056"/>
+          </a:xfrm>
+          <a:prstGeom prst="rect">
+            <a:avLst/>
+          </a:prstGeom>
+        </p:spPr>
+        <p:style>
+          <a:lnRef idx="2">
+            <a:schemeClr val="accent1">
+              <a:shade val="50000"/>
+            </a:schemeClr>
+          </a:lnRef>
+          <a:fillRef idx="1">
+            <a:schemeClr val="accent1"/>
+          </a:fillRef>
+          <a:effectRef idx="0">
+            <a:schemeClr val="accent1"/>
+          </a:effectRef>
+          <a:fontRef idx="minor">
+            <a:schemeClr val="lt1"/>
+          </a:fontRef>
+        </p:style>
+        <p:txBody>
+          <a:bodyPr rtlCol="0" anchor="ctr"/>
+          <a:lstStyle/>
+          <a:p>
+            <a:pPr algn="ctr"/>
+            <a:endParaRPr kumimoji="1" lang="ja-JP" altLang="en-US"/>
+          </a:p>
+        </p:txBody>
+      </p:sp>
       <p:cxnSp>
         <p:nvCxnSpPr>
-          <p:cNvPr id="9" name="直線矢印コネクタ 8"/>
+          <p:cNvPr id="12" name="直線矢印コネクタ 11"/>
+          <p:cNvCxnSpPr/>
+          <p:nvPr/>
+        </p:nvCxnSpPr>
+        <p:spPr>
+          <a:xfrm>
+            <a:off x="3856856" y="2607798"/>
+            <a:ext cx="1440160" cy="0"/>
+          </a:xfrm>
+          <a:prstGeom prst="straightConnector1">
+            <a:avLst/>
+          </a:prstGeom>
+          <a:ln>
+            <a:tailEnd type="arrow"/>
+          </a:ln>
+        </p:spPr>
+        <p:style>
+          <a:lnRef idx="1">
+            <a:schemeClr val="accent1"/>
+          </a:lnRef>
+          <a:fillRef idx="0">
+            <a:schemeClr val="accent1"/>
+          </a:fillRef>
+          <a:effectRef idx="0">
+            <a:schemeClr val="accent1"/>
+          </a:effectRef>
+          <a:fontRef idx="minor">
+            <a:schemeClr val="tx1"/>
+          </a:fontRef>
+        </p:style>
+      </p:cxnSp>
+      <p:sp>
+        <p:nvSpPr>
+          <p:cNvPr id="14" name="テキスト ボックス 13"/>
+          <p:cNvSpPr txBox="1"/>
+          <p:nvPr/>
+        </p:nvSpPr>
+        <p:spPr>
+          <a:xfrm>
+            <a:off x="5297016" y="2213495"/>
+            <a:ext cx="3514104" cy="646331"/>
+          </a:xfrm>
+          <a:prstGeom prst="rect">
+            <a:avLst/>
+          </a:prstGeom>
+          <a:noFill/>
+        </p:spPr>
+        <p:txBody>
+          <a:bodyPr wrap="none" rtlCol="0">
+            <a:spAutoFit/>
+          </a:bodyPr>
+          <a:lstStyle/>
+          <a:p>
+            <a:r>
+              <a:rPr kumimoji="1" lang="ja-JP" altLang="en-US" dirty="0" smtClean="0"/>
+              <a:t>自分が投稿した写真のサムネイル</a:t>
+            </a:r>
+          </a:p>
+          <a:p>
+            <a:r>
+              <a:rPr lang="ja-JP" altLang="en-US" dirty="0" smtClean="0"/>
+              <a:t>作品ページへのリンク</a:t>
+            </a:r>
+            <a:endParaRPr kumimoji="1" lang="ja-JP" altLang="en-US" dirty="0"/>
+          </a:p>
+        </p:txBody>
+      </p:sp>
+      <p:sp>
+        <p:nvSpPr>
+          <p:cNvPr id="3" name="正方形/長方形 2"/>
+          <p:cNvSpPr/>
+          <p:nvPr/>
+        </p:nvSpPr>
+        <p:spPr>
+          <a:xfrm>
+            <a:off x="4904281" y="4365104"/>
+            <a:ext cx="3906839" cy="646331"/>
+          </a:xfrm>
+          <a:prstGeom prst="rect">
+            <a:avLst/>
+          </a:prstGeom>
+        </p:spPr>
+        <p:txBody>
+          <a:bodyPr wrap="none">
+            <a:spAutoFit/>
+          </a:bodyPr>
+          <a:lstStyle/>
+          <a:p>
+            <a:r>
+              <a:rPr lang="ja-JP" altLang="en-US" dirty="0" smtClean="0"/>
+              <a:t>コメントがついた写真新着五件</a:t>
+            </a:r>
+          </a:p>
+          <a:p>
+            <a:r>
+              <a:rPr lang="ja-JP" altLang="en-US" dirty="0"/>
+              <a:t>自分</a:t>
+            </a:r>
+            <a:r>
+              <a:rPr lang="ja-JP" altLang="en-US" dirty="0" smtClean="0"/>
+              <a:t>がコメントした写真へのリンク五件</a:t>
+            </a:r>
+            <a:endParaRPr lang="ja-JP" altLang="en-US" dirty="0"/>
+          </a:p>
+        </p:txBody>
+      </p:sp>
+      <p:cxnSp>
+        <p:nvCxnSpPr>
+          <p:cNvPr id="13" name="直線矢印コネクタ 12"/>
           <p:cNvCxnSpPr>
-            <a:stCxn id="7" idx="3"/>
-            <a:endCxn id="17" idx="1"/>
+            <a:endCxn id="3" idx="1"/>
           </p:cNvCxnSpPr>
           <p:nvPr/>
         </p:nvCxnSpPr>
         <p:spPr>
           <a:xfrm>
-            <a:off x="3637062" y="5373216"/>
-            <a:ext cx="1727026" cy="441340"/>
+            <a:off x="4139952" y="4688269"/>
+            <a:ext cx="764329" cy="1"/>
           </a:xfrm>
           <a:prstGeom prst="straightConnector1">
             <a:avLst/>
@@ -5649,21 +6244,18 @@
       </p:cxnSp>
       <p:cxnSp>
         <p:nvCxnSpPr>
-          <p:cNvPr id="12" name="直線矢印コネクタ 11"/>
+          <p:cNvPr id="16" name="直線コネクタ 15"/>
           <p:cNvCxnSpPr/>
           <p:nvPr/>
         </p:nvCxnSpPr>
         <p:spPr>
           <a:xfrm>
-            <a:off x="3707904" y="2636912"/>
-            <a:ext cx="1463452" cy="0"/>
-          </a:xfrm>
-          <a:prstGeom prst="straightConnector1">
-            <a:avLst/>
-          </a:prstGeom>
-          <a:ln>
-            <a:tailEnd type="arrow"/>
-          </a:ln>
+            <a:off x="2586969" y="4005064"/>
+            <a:ext cx="0" cy="1006371"/>
+          </a:xfrm>
+          <a:prstGeom prst="line">
+            <a:avLst/>
+          </a:prstGeom>
         </p:spPr>
         <p:style>
           <a:lnRef idx="1">
@@ -5682,93 +6274,105 @@
       </p:cxnSp>
       <p:sp>
         <p:nvSpPr>
-          <p:cNvPr id="15" name="テキスト ボックス 14"/>
-          <p:cNvSpPr txBox="1"/>
+          <p:cNvPr id="17" name="正方形/長方形 16"/>
+          <p:cNvSpPr/>
           <p:nvPr/>
         </p:nvSpPr>
         <p:spPr>
           <a:xfrm>
-            <a:off x="5580112" y="5116542"/>
-            <a:ext cx="184731" cy="369332"/>
+            <a:off x="899592" y="3994882"/>
+            <a:ext cx="1728191" cy="1138773"/>
           </a:xfrm>
           <a:prstGeom prst="rect">
             <a:avLst/>
           </a:prstGeom>
-          <a:noFill/>
-        </p:spPr>
-        <p:txBody>
-          <a:bodyPr wrap="none" rtlCol="0">
+        </p:spPr>
+        <p:txBody>
+          <a:bodyPr wrap="square">
             <a:spAutoFit/>
           </a:bodyPr>
           <a:lstStyle/>
           <a:p>
-            <a:endParaRPr kumimoji="1" lang="ja-JP" altLang="en-US" dirty="0"/>
-          </a:p>
-        </p:txBody>
-      </p:sp>
-      <p:sp>
-        <p:nvSpPr>
-          <p:cNvPr id="16" name="テキスト ボックス 15"/>
-          <p:cNvSpPr txBox="1"/>
-          <p:nvPr/>
-        </p:nvSpPr>
-        <p:spPr>
-          <a:xfrm>
-            <a:off x="5364088" y="2313746"/>
-            <a:ext cx="2036135" cy="646331"/>
-          </a:xfrm>
-          <a:prstGeom prst="rect">
-            <a:avLst/>
-          </a:prstGeom>
-          <a:noFill/>
-        </p:spPr>
-        <p:txBody>
-          <a:bodyPr wrap="none" rtlCol="0">
-            <a:spAutoFit/>
-          </a:bodyPr>
-          <a:lstStyle/>
-          <a:p>
-            <a:r>
-              <a:rPr kumimoji="1" lang="ja-JP" altLang="en-US" dirty="0" smtClean="0"/>
-              <a:t>写真</a:t>
-            </a:r>
-          </a:p>
-          <a:p>
-            <a:r>
-              <a:rPr lang="ja-JP" altLang="en-US" dirty="0" smtClean="0"/>
-              <a:t>タイトルや日時など</a:t>
-            </a:r>
-            <a:endParaRPr kumimoji="1" lang="ja-JP" altLang="en-US" dirty="0"/>
-          </a:p>
-        </p:txBody>
-      </p:sp>
-      <p:sp>
-        <p:nvSpPr>
-          <p:cNvPr id="17" name="テキスト ボックス 16"/>
-          <p:cNvSpPr txBox="1"/>
-          <p:nvPr/>
-        </p:nvSpPr>
-        <p:spPr>
-          <a:xfrm>
-            <a:off x="5364088" y="5629890"/>
-            <a:ext cx="2664296" cy="369332"/>
-          </a:xfrm>
-          <a:prstGeom prst="rect">
-            <a:avLst/>
-          </a:prstGeom>
-          <a:noFill/>
-        </p:spPr>
-        <p:txBody>
-          <a:bodyPr wrap="square" rtlCol="0">
-            <a:spAutoFit/>
-          </a:bodyPr>
-          <a:lstStyle/>
-          <a:p>
-            <a:r>
-              <a:rPr kumimoji="1" lang="ja-JP" altLang="en-US" dirty="0" smtClean="0"/>
-              <a:t>コメント書き込み欄</a:t>
-            </a:r>
-            <a:endParaRPr kumimoji="1" lang="ja-JP" altLang="en-US" dirty="0"/>
+            <a:r>
+              <a:rPr lang="ja-JP" altLang="en-US" sz="1000" dirty="0" smtClean="0"/>
+              <a:t>コメントがついた作品</a:t>
+            </a:r>
+          </a:p>
+          <a:p>
+            <a:endParaRPr lang="en-US" altLang="ja-JP" sz="1000" dirty="0" smtClean="0"/>
+          </a:p>
+          <a:p>
+            <a:r>
+              <a:rPr lang="ja-JP" altLang="en-US" sz="800" dirty="0" smtClean="0"/>
+              <a:t>写真のタイトル</a:t>
+            </a:r>
+            <a:r>
+              <a:rPr lang="en-US" altLang="ja-JP" sz="800" dirty="0" smtClean="0"/>
+              <a:t>:</a:t>
+            </a:r>
+            <a:r>
+              <a:rPr lang="ja-JP" altLang="en-US" sz="800" dirty="0" smtClean="0"/>
+              <a:t>コメントしたユーザ名</a:t>
+            </a:r>
+          </a:p>
+          <a:p>
+            <a:r>
+              <a:rPr lang="ja-JP" altLang="en-US" sz="800" dirty="0"/>
+              <a:t>写真のタイトル</a:t>
+            </a:r>
+            <a:r>
+              <a:rPr lang="en-US" altLang="ja-JP" sz="800" dirty="0"/>
+              <a:t>:</a:t>
+            </a:r>
+            <a:r>
+              <a:rPr lang="ja-JP" altLang="en-US" sz="800" dirty="0"/>
+              <a:t>コメントしたユーザ名</a:t>
+            </a:r>
+          </a:p>
+          <a:p>
+            <a:r>
+              <a:rPr lang="ja-JP" altLang="en-US" sz="800" dirty="0"/>
+              <a:t>写真のタイトル</a:t>
+            </a:r>
+            <a:r>
+              <a:rPr lang="en-US" altLang="ja-JP" sz="800" dirty="0"/>
+              <a:t>:</a:t>
+            </a:r>
+            <a:r>
+              <a:rPr lang="ja-JP" altLang="en-US" sz="800" dirty="0"/>
+              <a:t>コメントしたユーザ名</a:t>
+            </a:r>
+          </a:p>
+          <a:p>
+            <a:r>
+              <a:rPr lang="ja-JP" altLang="en-US" sz="800" dirty="0"/>
+              <a:t>写真のタイトル</a:t>
+            </a:r>
+            <a:r>
+              <a:rPr lang="en-US" altLang="ja-JP" sz="800" dirty="0"/>
+              <a:t>:</a:t>
+            </a:r>
+            <a:r>
+              <a:rPr lang="ja-JP" altLang="en-US" sz="800" dirty="0"/>
+              <a:t>コメントしたユーザ名</a:t>
+            </a:r>
+          </a:p>
+          <a:p>
+            <a:r>
+              <a:rPr lang="ja-JP" altLang="en-US" sz="800" dirty="0"/>
+              <a:t>写真のタイトル</a:t>
+            </a:r>
+            <a:r>
+              <a:rPr lang="en-US" altLang="ja-JP" sz="800" dirty="0"/>
+              <a:t>:</a:t>
+            </a:r>
+            <a:r>
+              <a:rPr lang="ja-JP" altLang="en-US" sz="800" dirty="0"/>
+              <a:t>コメントしたユーザ名</a:t>
+            </a:r>
+          </a:p>
+          <a:p>
+            <a:endParaRPr lang="ja-JP" altLang="en-US" sz="800" dirty="0" smtClean="0"/>
           </a:p>
         </p:txBody>
       </p:sp>
@@ -5780,130 +6384,130 @@
         </p:nvSpPr>
         <p:spPr>
           <a:xfrm>
-            <a:off x="1979712" y="4293096"/>
-            <a:ext cx="1728192" cy="823446"/>
+            <a:off x="2586968" y="3994882"/>
+            <a:ext cx="1728191" cy="1138773"/>
           </a:xfrm>
           <a:prstGeom prst="rect">
             <a:avLst/>
           </a:prstGeom>
         </p:spPr>
-        <p:style>
-          <a:lnRef idx="2">
-            <a:schemeClr val="accent1">
-              <a:shade val="50000"/>
-            </a:schemeClr>
-          </a:lnRef>
-          <a:fillRef idx="1">
-            <a:schemeClr val="accent1"/>
-          </a:fillRef>
-          <a:effectRef idx="0">
-            <a:schemeClr val="accent1"/>
-          </a:effectRef>
-          <a:fontRef idx="minor">
-            <a:schemeClr val="lt1"/>
-          </a:fontRef>
-        </p:style>
-        <p:txBody>
-          <a:bodyPr rtlCol="0" anchor="ctr"/>
-          <a:lstStyle/>
-          <a:p>
-            <a:pPr algn="ctr"/>
-            <a:endParaRPr kumimoji="1" lang="ja-JP" altLang="en-US"/>
-          </a:p>
-        </p:txBody>
-      </p:sp>
-      <p:cxnSp>
-        <p:nvCxnSpPr>
-          <p:cNvPr id="20" name="直線矢印コネクタ 19"/>
-          <p:cNvCxnSpPr/>
-          <p:nvPr/>
-        </p:nvCxnSpPr>
-        <p:spPr>
-          <a:xfrm>
-            <a:off x="3707904" y="4704819"/>
-            <a:ext cx="1463452" cy="0"/>
-          </a:xfrm>
-          <a:prstGeom prst="straightConnector1">
-            <a:avLst/>
-          </a:prstGeom>
-          <a:ln>
-            <a:tailEnd type="arrow"/>
-          </a:ln>
-        </p:spPr>
-        <p:style>
-          <a:lnRef idx="1">
-            <a:schemeClr val="accent1"/>
-          </a:lnRef>
-          <a:fillRef idx="0">
-            <a:schemeClr val="accent1"/>
-          </a:fillRef>
-          <a:effectRef idx="0">
-            <a:schemeClr val="accent1"/>
-          </a:effectRef>
-          <a:fontRef idx="minor">
-            <a:schemeClr val="tx1"/>
-          </a:fontRef>
-        </p:style>
-      </p:cxnSp>
-      <p:sp>
-        <p:nvSpPr>
-          <p:cNvPr id="22" name="テキスト ボックス 21"/>
-          <p:cNvSpPr txBox="1"/>
-          <p:nvPr/>
-        </p:nvSpPr>
-        <p:spPr>
-          <a:xfrm>
-            <a:off x="5399856" y="4077072"/>
-            <a:ext cx="3185914" cy="1200329"/>
-          </a:xfrm>
-          <a:prstGeom prst="rect">
-            <a:avLst/>
-          </a:prstGeom>
-          <a:noFill/>
-        </p:spPr>
-        <p:txBody>
-          <a:bodyPr wrap="square" rtlCol="0">
+        <p:txBody>
+          <a:bodyPr wrap="square">
             <a:spAutoFit/>
           </a:bodyPr>
           <a:lstStyle/>
           <a:p>
             <a:r>
-              <a:rPr kumimoji="1" lang="ja-JP" altLang="en-US" dirty="0" smtClean="0"/>
-              <a:t>書き込まれた</a:t>
-            </a:r>
-            <a:r>
-              <a:rPr kumimoji="1" lang="ja-JP" altLang="en-US" dirty="0" smtClean="0"/>
-              <a:t>コメント群</a:t>
-            </a:r>
-            <a:endParaRPr lang="ja-JP" altLang="en-US" dirty="0"/>
-          </a:p>
-          <a:p>
-            <a:r>
-              <a:rPr kumimoji="1" lang="en-US" altLang="ja-JP" dirty="0" smtClean="0"/>
-              <a:t>(</a:t>
-            </a:r>
-            <a:r>
-              <a:rPr kumimoji="1" lang="ja-JP" altLang="en-US" dirty="0" smtClean="0"/>
-              <a:t>ユーザ名とコメント。</a:t>
-            </a:r>
-          </a:p>
-          <a:p>
-            <a:r>
-              <a:rPr kumimoji="1" lang="ja-JP" altLang="en-US" dirty="0" smtClean="0"/>
-              <a:t>ユーザ名にはユーザページへのリンク</a:t>
-            </a:r>
-            <a:r>
-              <a:rPr kumimoji="1" lang="en-US" altLang="ja-JP" dirty="0" smtClean="0"/>
-              <a:t>)</a:t>
-            </a:r>
-            <a:endParaRPr kumimoji="1" lang="ja-JP" altLang="en-US" dirty="0" smtClean="0"/>
+              <a:rPr lang="ja-JP" altLang="en-US" sz="1000" dirty="0" smtClean="0"/>
+              <a:t>コメントをつけた作品</a:t>
+            </a:r>
+          </a:p>
+          <a:p>
+            <a:endParaRPr lang="en-US" altLang="ja-JP" sz="1000" dirty="0" smtClean="0"/>
+          </a:p>
+          <a:p>
+            <a:r>
+              <a:rPr lang="ja-JP" altLang="en-US" sz="800" dirty="0" smtClean="0"/>
+              <a:t>写真のタイトル</a:t>
+            </a:r>
+            <a:r>
+              <a:rPr lang="en-US" altLang="ja-JP" sz="800" dirty="0" smtClean="0"/>
+              <a:t>:</a:t>
+            </a:r>
+            <a:r>
+              <a:rPr lang="ja-JP" altLang="en-US" sz="800" dirty="0"/>
+              <a:t>投稿した</a:t>
+            </a:r>
+            <a:r>
+              <a:rPr lang="ja-JP" altLang="en-US" sz="800" dirty="0" smtClean="0"/>
+              <a:t>ユーザ名</a:t>
+            </a:r>
+          </a:p>
+          <a:p>
+            <a:r>
+              <a:rPr lang="ja-JP" altLang="en-US" sz="800" dirty="0"/>
+              <a:t>写真のタイトル</a:t>
+            </a:r>
+            <a:r>
+              <a:rPr lang="en-US" altLang="ja-JP" sz="800" dirty="0" smtClean="0"/>
+              <a:t>:</a:t>
+            </a:r>
+            <a:r>
+              <a:rPr lang="ja-JP" altLang="en-US" sz="800" dirty="0"/>
+              <a:t>投稿した</a:t>
+            </a:r>
+            <a:r>
+              <a:rPr lang="ja-JP" altLang="en-US" sz="800" dirty="0" smtClean="0"/>
+              <a:t>ユーザ名</a:t>
+            </a:r>
+            <a:endParaRPr lang="ja-JP" altLang="en-US" sz="800" dirty="0"/>
+          </a:p>
+          <a:p>
+            <a:r>
+              <a:rPr lang="ja-JP" altLang="en-US" sz="800" dirty="0"/>
+              <a:t>写真のタイトル</a:t>
+            </a:r>
+            <a:r>
+              <a:rPr lang="en-US" altLang="ja-JP" sz="800" dirty="0" smtClean="0"/>
+              <a:t>:</a:t>
+            </a:r>
+            <a:r>
+              <a:rPr lang="ja-JP" altLang="en-US" sz="800" dirty="0"/>
+              <a:t>投稿した</a:t>
+            </a:r>
+            <a:r>
+              <a:rPr lang="ja-JP" altLang="en-US" sz="800" dirty="0" smtClean="0"/>
+              <a:t>ユーザ名</a:t>
+            </a:r>
+            <a:endParaRPr lang="ja-JP" altLang="en-US" sz="800" dirty="0"/>
+          </a:p>
+          <a:p>
+            <a:r>
+              <a:rPr lang="ja-JP" altLang="en-US" sz="800" dirty="0"/>
+              <a:t>写真のタイトル</a:t>
+            </a:r>
+            <a:r>
+              <a:rPr lang="en-US" altLang="ja-JP" sz="800" dirty="0" smtClean="0"/>
+              <a:t>:</a:t>
+            </a:r>
+            <a:r>
+              <a:rPr lang="ja-JP" altLang="en-US" sz="800" dirty="0"/>
+              <a:t>投稿した</a:t>
+            </a:r>
+            <a:r>
+              <a:rPr lang="ja-JP" altLang="en-US" sz="800" dirty="0" smtClean="0"/>
+              <a:t>ユーザ名</a:t>
+            </a:r>
+            <a:endParaRPr lang="ja-JP" altLang="en-US" sz="800" dirty="0"/>
+          </a:p>
+          <a:p>
+            <a:r>
+              <a:rPr lang="ja-JP" altLang="en-US" sz="800" dirty="0"/>
+              <a:t>写真のタイトル</a:t>
+            </a:r>
+            <a:r>
+              <a:rPr lang="en-US" altLang="ja-JP" sz="800" dirty="0" smtClean="0"/>
+              <a:t>:</a:t>
+            </a:r>
+            <a:r>
+              <a:rPr lang="ja-JP" altLang="en-US" sz="800" dirty="0"/>
+              <a:t>投稿した</a:t>
+            </a:r>
+            <a:r>
+              <a:rPr lang="ja-JP" altLang="en-US" sz="800" dirty="0" smtClean="0"/>
+              <a:t>ユーザ名</a:t>
+            </a:r>
+            <a:endParaRPr lang="ja-JP" altLang="en-US" sz="800" dirty="0"/>
+          </a:p>
+          <a:p>
+            <a:endParaRPr lang="ja-JP" altLang="en-US" sz="800" dirty="0" smtClean="0"/>
           </a:p>
         </p:txBody>
       </p:sp>
     </p:spTree>
     <p:extLst>
       <p:ext uri="{BB962C8B-B14F-4D97-AF65-F5344CB8AC3E}">
-        <p14:creationId xmlns:p14="http://schemas.microsoft.com/office/powerpoint/2010/main" val="603687496"/>
+        <p14:creationId xmlns:p14="http://schemas.microsoft.com/office/powerpoint/2010/main" val="3602402691"/>
       </p:ext>
     </p:extLst>
   </p:cSld>
@@ -5932,7 +6536,7 @@
       </p:grpSpPr>
       <p:sp>
         <p:nvSpPr>
-          <p:cNvPr id="10" name="正方形/長方形 9"/>
+          <p:cNvPr id="11" name="正方形/長方形 10"/>
           <p:cNvSpPr/>
           <p:nvPr/>
         </p:nvSpPr>
@@ -5990,424 +6594,35 @@
         </p:nvSpPr>
         <p:spPr/>
         <p:txBody>
-          <a:bodyPr/>
+          <a:bodyPr>
+            <a:normAutofit/>
+          </a:bodyPr>
           <a:lstStyle/>
           <a:p>
             <a:r>
               <a:rPr kumimoji="1" lang="ja-JP" altLang="en-US" dirty="0" smtClean="0"/>
-              <a:t>マイページ</a:t>
-            </a:r>
-            <a:endParaRPr kumimoji="1" lang="ja-JP" altLang="en-US" dirty="0"/>
-          </a:p>
-        </p:txBody>
-      </p:sp>
-      <p:sp>
-        <p:nvSpPr>
-          <p:cNvPr id="4" name="正方形/長方形 3"/>
-          <p:cNvSpPr/>
-          <p:nvPr/>
-        </p:nvSpPr>
-        <p:spPr>
-          <a:xfrm>
-            <a:off x="1261914" y="2780928"/>
-            <a:ext cx="573782" cy="504056"/>
-          </a:xfrm>
-          <a:prstGeom prst="rect">
-            <a:avLst/>
-          </a:prstGeom>
-        </p:spPr>
-        <p:style>
-          <a:lnRef idx="2">
-            <a:schemeClr val="accent1">
-              <a:shade val="50000"/>
-            </a:schemeClr>
-          </a:lnRef>
-          <a:fillRef idx="1">
-            <a:schemeClr val="accent1"/>
-          </a:fillRef>
-          <a:effectRef idx="0">
-            <a:schemeClr val="accent1"/>
-          </a:effectRef>
-          <a:fontRef idx="minor">
-            <a:schemeClr val="lt1"/>
-          </a:fontRef>
-        </p:style>
-        <p:txBody>
-          <a:bodyPr rtlCol="0" anchor="ctr"/>
-          <a:lstStyle/>
-          <a:p>
-            <a:pPr algn="ctr"/>
-            <a:endParaRPr kumimoji="1" lang="ja-JP" altLang="en-US"/>
-          </a:p>
-        </p:txBody>
-      </p:sp>
-      <p:sp>
-        <p:nvSpPr>
-          <p:cNvPr id="5" name="正方形/長方形 4"/>
-          <p:cNvSpPr/>
-          <p:nvPr/>
-        </p:nvSpPr>
-        <p:spPr>
-          <a:xfrm>
-            <a:off x="3278138" y="2780928"/>
-            <a:ext cx="573782" cy="504056"/>
-          </a:xfrm>
-          <a:prstGeom prst="rect">
-            <a:avLst/>
-          </a:prstGeom>
-        </p:spPr>
-        <p:style>
-          <a:lnRef idx="2">
-            <a:schemeClr val="accent1">
-              <a:shade val="50000"/>
-            </a:schemeClr>
-          </a:lnRef>
-          <a:fillRef idx="1">
-            <a:schemeClr val="accent1"/>
-          </a:fillRef>
-          <a:effectRef idx="0">
-            <a:schemeClr val="accent1"/>
-          </a:effectRef>
-          <a:fontRef idx="minor">
-            <a:schemeClr val="lt1"/>
-          </a:fontRef>
-        </p:style>
-        <p:txBody>
-          <a:bodyPr rtlCol="0" anchor="ctr"/>
-          <a:lstStyle/>
-          <a:p>
-            <a:pPr algn="ctr"/>
-            <a:endParaRPr kumimoji="1" lang="ja-JP" altLang="en-US"/>
-          </a:p>
-        </p:txBody>
-      </p:sp>
-      <p:sp>
-        <p:nvSpPr>
-          <p:cNvPr id="6" name="正方形/長方形 5"/>
-          <p:cNvSpPr/>
-          <p:nvPr/>
-        </p:nvSpPr>
-        <p:spPr>
-          <a:xfrm>
-            <a:off x="2286794" y="2780928"/>
-            <a:ext cx="573782" cy="504056"/>
-          </a:xfrm>
-          <a:prstGeom prst="rect">
-            <a:avLst/>
-          </a:prstGeom>
-        </p:spPr>
-        <p:style>
-          <a:lnRef idx="2">
-            <a:schemeClr val="accent1">
-              <a:shade val="50000"/>
-            </a:schemeClr>
-          </a:lnRef>
-          <a:fillRef idx="1">
-            <a:schemeClr val="accent1"/>
-          </a:fillRef>
-          <a:effectRef idx="0">
-            <a:schemeClr val="accent1"/>
-          </a:effectRef>
-          <a:fontRef idx="minor">
-            <a:schemeClr val="lt1"/>
-          </a:fontRef>
-        </p:style>
-        <p:txBody>
-          <a:bodyPr rtlCol="0" anchor="ctr"/>
-          <a:lstStyle/>
-          <a:p>
-            <a:pPr algn="ctr"/>
-            <a:endParaRPr kumimoji="1" lang="ja-JP" altLang="en-US"/>
-          </a:p>
-        </p:txBody>
-      </p:sp>
-      <p:sp>
-        <p:nvSpPr>
-          <p:cNvPr id="7" name="正方形/長方形 6"/>
-          <p:cNvSpPr/>
-          <p:nvPr/>
-        </p:nvSpPr>
-        <p:spPr>
-          <a:xfrm>
-            <a:off x="1261914" y="3552056"/>
-            <a:ext cx="573782" cy="504056"/>
-          </a:xfrm>
-          <a:prstGeom prst="rect">
-            <a:avLst/>
-          </a:prstGeom>
-        </p:spPr>
-        <p:style>
-          <a:lnRef idx="2">
-            <a:schemeClr val="accent1">
-              <a:shade val="50000"/>
-            </a:schemeClr>
-          </a:lnRef>
-          <a:fillRef idx="1">
-            <a:schemeClr val="accent1"/>
-          </a:fillRef>
-          <a:effectRef idx="0">
-            <a:schemeClr val="accent1"/>
-          </a:effectRef>
-          <a:fontRef idx="minor">
-            <a:schemeClr val="lt1"/>
-          </a:fontRef>
-        </p:style>
-        <p:txBody>
-          <a:bodyPr rtlCol="0" anchor="ctr"/>
-          <a:lstStyle/>
-          <a:p>
-            <a:pPr algn="ctr"/>
-            <a:endParaRPr kumimoji="1" lang="ja-JP" altLang="en-US"/>
-          </a:p>
-        </p:txBody>
-      </p:sp>
-      <p:sp>
-        <p:nvSpPr>
-          <p:cNvPr id="8" name="正方形/長方形 7"/>
-          <p:cNvSpPr/>
-          <p:nvPr/>
-        </p:nvSpPr>
-        <p:spPr>
-          <a:xfrm>
-            <a:off x="3278138" y="3552056"/>
-            <a:ext cx="573782" cy="504056"/>
-          </a:xfrm>
-          <a:prstGeom prst="rect">
-            <a:avLst/>
-          </a:prstGeom>
-        </p:spPr>
-        <p:style>
-          <a:lnRef idx="2">
-            <a:schemeClr val="accent1">
-              <a:shade val="50000"/>
-            </a:schemeClr>
-          </a:lnRef>
-          <a:fillRef idx="1">
-            <a:schemeClr val="accent1"/>
-          </a:fillRef>
-          <a:effectRef idx="0">
-            <a:schemeClr val="accent1"/>
-          </a:effectRef>
-          <a:fontRef idx="minor">
-            <a:schemeClr val="lt1"/>
-          </a:fontRef>
-        </p:style>
-        <p:txBody>
-          <a:bodyPr rtlCol="0" anchor="ctr"/>
-          <a:lstStyle/>
-          <a:p>
-            <a:pPr algn="ctr"/>
-            <a:endParaRPr kumimoji="1" lang="ja-JP" altLang="en-US"/>
-          </a:p>
-        </p:txBody>
-      </p:sp>
-      <p:sp>
-        <p:nvSpPr>
-          <p:cNvPr id="9" name="正方形/長方形 8"/>
-          <p:cNvSpPr/>
-          <p:nvPr/>
-        </p:nvSpPr>
-        <p:spPr>
-          <a:xfrm>
-            <a:off x="2286794" y="3552056"/>
-            <a:ext cx="573782" cy="504056"/>
-          </a:xfrm>
-          <a:prstGeom prst="rect">
-            <a:avLst/>
-          </a:prstGeom>
-        </p:spPr>
-        <p:style>
-          <a:lnRef idx="2">
-            <a:schemeClr val="accent1">
-              <a:shade val="50000"/>
-            </a:schemeClr>
-          </a:lnRef>
-          <a:fillRef idx="1">
-            <a:schemeClr val="accent1"/>
-          </a:fillRef>
-          <a:effectRef idx="0">
-            <a:schemeClr val="accent1"/>
-          </a:effectRef>
-          <a:fontRef idx="minor">
-            <a:schemeClr val="lt1"/>
-          </a:fontRef>
-        </p:style>
-        <p:txBody>
-          <a:bodyPr rtlCol="0" anchor="ctr"/>
-          <a:lstStyle/>
-          <a:p>
-            <a:pPr algn="ctr"/>
-            <a:endParaRPr kumimoji="1" lang="ja-JP" altLang="en-US"/>
-          </a:p>
-        </p:txBody>
-      </p:sp>
-      <p:cxnSp>
-        <p:nvCxnSpPr>
-          <p:cNvPr id="12" name="直線矢印コネクタ 11"/>
-          <p:cNvCxnSpPr/>
-          <p:nvPr/>
-        </p:nvCxnSpPr>
-        <p:spPr>
-          <a:xfrm>
-            <a:off x="3851920" y="3032956"/>
-            <a:ext cx="1440160" cy="0"/>
-          </a:xfrm>
-          <a:prstGeom prst="straightConnector1">
-            <a:avLst/>
-          </a:prstGeom>
-          <a:ln>
-            <a:tailEnd type="arrow"/>
-          </a:ln>
-        </p:spPr>
-        <p:style>
-          <a:lnRef idx="1">
-            <a:schemeClr val="accent1"/>
-          </a:lnRef>
-          <a:fillRef idx="0">
-            <a:schemeClr val="accent1"/>
-          </a:fillRef>
-          <a:effectRef idx="0">
-            <a:schemeClr val="accent1"/>
-          </a:effectRef>
-          <a:fontRef idx="minor">
-            <a:schemeClr val="tx1"/>
-          </a:fontRef>
-        </p:style>
-      </p:cxnSp>
-      <p:sp>
-        <p:nvSpPr>
-          <p:cNvPr id="14" name="テキスト ボックス 13"/>
-          <p:cNvSpPr txBox="1"/>
-          <p:nvPr/>
-        </p:nvSpPr>
-        <p:spPr>
-          <a:xfrm>
-            <a:off x="5292080" y="2638653"/>
-            <a:ext cx="3514104" cy="646331"/>
-          </a:xfrm>
-          <a:prstGeom prst="rect">
-            <a:avLst/>
-          </a:prstGeom>
-          <a:noFill/>
-        </p:spPr>
-        <p:txBody>
-          <a:bodyPr wrap="none" rtlCol="0">
-            <a:spAutoFit/>
-          </a:bodyPr>
-          <a:lstStyle/>
-          <a:p>
-            <a:r>
-              <a:rPr kumimoji="1" lang="ja-JP" altLang="en-US" dirty="0" smtClean="0"/>
-              <a:t>自分が投稿した写真のサムネイル</a:t>
-            </a:r>
-          </a:p>
-          <a:p>
-            <a:r>
-              <a:rPr lang="ja-JP" altLang="en-US" dirty="0" smtClean="0"/>
-              <a:t>作品ページへのリンク</a:t>
-            </a:r>
-            <a:endParaRPr kumimoji="1" lang="ja-JP" altLang="en-US" dirty="0"/>
-          </a:p>
-        </p:txBody>
-      </p:sp>
-    </p:spTree>
-    <p:extLst>
-      <p:ext uri="{BB962C8B-B14F-4D97-AF65-F5344CB8AC3E}">
-        <p14:creationId xmlns:p14="http://schemas.microsoft.com/office/powerpoint/2010/main" val="3602402691"/>
-      </p:ext>
-    </p:extLst>
-  </p:cSld>
-  <p:clrMapOvr>
-    <a:masterClrMapping/>
-  </p:clrMapOvr>
-</p:sld>
-</file>
-
-<file path=ppt/slides/slide7.xml><?xml version="1.0" encoding="utf-8"?>
-<p:sld xmlns:a="http://schemas.openxmlformats.org/drawingml/2006/main" xmlns:r="http://schemas.openxmlformats.org/officeDocument/2006/relationships" xmlns:p="http://schemas.openxmlformats.org/presentationml/2006/main">
-  <p:cSld>
-    <p:spTree>
-      <p:nvGrpSpPr>
-        <p:cNvPr id="1" name=""/>
-        <p:cNvGrpSpPr/>
-        <p:nvPr/>
-      </p:nvGrpSpPr>
-      <p:grpSpPr>
-        <a:xfrm>
-          <a:off x="0" y="0"/>
-          <a:ext cx="0" cy="0"/>
-          <a:chOff x="0" y="0"/>
-          <a:chExt cx="0" cy="0"/>
-        </a:xfrm>
-      </p:grpSpPr>
-      <p:sp>
-        <p:nvSpPr>
-          <p:cNvPr id="11" name="正方形/長方形 10"/>
-          <p:cNvSpPr/>
-          <p:nvPr/>
-        </p:nvSpPr>
-        <p:spPr>
-          <a:xfrm>
-            <a:off x="683568" y="2204864"/>
-            <a:ext cx="3816424" cy="3456384"/>
-          </a:xfrm>
-          <a:prstGeom prst="rect">
-            <a:avLst/>
-          </a:prstGeom>
-          <a:solidFill>
-            <a:schemeClr val="bg1"/>
-          </a:solidFill>
-          <a:ln>
-            <a:solidFill>
-              <a:schemeClr val="tx1"/>
-            </a:solidFill>
-          </a:ln>
-        </p:spPr>
-        <p:style>
-          <a:lnRef idx="2">
-            <a:schemeClr val="accent1">
-              <a:shade val="50000"/>
-            </a:schemeClr>
-          </a:lnRef>
-          <a:fillRef idx="1">
-            <a:schemeClr val="accent1"/>
-          </a:fillRef>
-          <a:effectRef idx="0">
-            <a:schemeClr val="accent1"/>
-          </a:effectRef>
-          <a:fontRef idx="minor">
-            <a:schemeClr val="lt1"/>
-          </a:fontRef>
-        </p:style>
-        <p:txBody>
-          <a:bodyPr rtlCol="0" anchor="ctr"/>
-          <a:lstStyle/>
-          <a:p>
-            <a:pPr algn="ctr"/>
-            <a:endParaRPr kumimoji="1" lang="ja-JP" altLang="en-US"/>
-          </a:p>
-        </p:txBody>
-      </p:sp>
-      <p:sp>
-        <p:nvSpPr>
-          <p:cNvPr id="2" name="タイトル 1"/>
-          <p:cNvSpPr>
-            <a:spLocks noGrp="1"/>
-          </p:cNvSpPr>
-          <p:nvPr>
-            <p:ph type="title"/>
-          </p:nvPr>
-        </p:nvSpPr>
-        <p:spPr/>
-        <p:txBody>
-          <a:bodyPr/>
-          <a:lstStyle/>
-          <a:p>
-            <a:r>
-              <a:rPr kumimoji="1" lang="ja-JP" altLang="en-US" smtClean="0"/>
               <a:t>ユーザーページ</a:t>
             </a:r>
-            <a:endParaRPr kumimoji="1" lang="ja-JP" altLang="en-US"/>
+            <a:r>
+              <a:rPr kumimoji="1" lang="en-US" altLang="ja-JP" dirty="0" smtClean="0"/>
+              <a:t/>
+            </a:r>
+            <a:br>
+              <a:rPr kumimoji="1" lang="en-US" altLang="ja-JP" dirty="0" smtClean="0"/>
+            </a:br>
+            <a:r>
+              <a:rPr lang="en-US" altLang="ja-JP" sz="2000" dirty="0" smtClean="0"/>
+              <a:t>/</a:t>
+            </a:r>
+            <a:r>
+              <a:rPr lang="en-US" altLang="ja-JP" sz="2000" dirty="0" err="1" smtClean="0"/>
+              <a:t>userid</a:t>
+            </a:r>
+            <a:r>
+              <a:rPr lang="en-US" altLang="ja-JP" sz="2000" dirty="0" smtClean="0"/>
+              <a:t>/</a:t>
+            </a:r>
+            <a:endParaRPr kumimoji="1" lang="ja-JP" altLang="en-US" sz="2000" dirty="0"/>
           </a:p>
         </p:txBody>
       </p:sp>
